--- a/Documentação/Documentação_Teorica/StoryboardMH.pptx
+++ b/Documentação/Documentação_Teorica/StoryboardMH.pptx
@@ -315,7 +315,7 @@
           <a:p>
             <a:fld id="{A4C16BB6-8FF1-4342-ACED-723EEDF5A2DF}" type="slidenum">
               <a:rPr lang="en-US" smtClean="0"/>
-              <a:t>‹#›</a:t>
+              <a:t>‹nº›</a:t>
             </a:fld>
             <a:endParaRPr lang="en-US"/>
           </a:p>
@@ -515,7 +515,7 @@
           <a:p>
             <a:fld id="{A4C16BB6-8FF1-4342-ACED-723EEDF5A2DF}" type="slidenum">
               <a:rPr lang="en-US" smtClean="0"/>
-              <a:t>‹#›</a:t>
+              <a:t>‹nº›</a:t>
             </a:fld>
             <a:endParaRPr lang="en-US"/>
           </a:p>
@@ -725,7 +725,7 @@
           <a:p>
             <a:fld id="{A4C16BB6-8FF1-4342-ACED-723EEDF5A2DF}" type="slidenum">
               <a:rPr lang="en-US" smtClean="0"/>
-              <a:t>‹#›</a:t>
+              <a:t>‹nº›</a:t>
             </a:fld>
             <a:endParaRPr lang="en-US"/>
           </a:p>
@@ -925,7 +925,7 @@
           <a:p>
             <a:fld id="{A4C16BB6-8FF1-4342-ACED-723EEDF5A2DF}" type="slidenum">
               <a:rPr lang="en-US" smtClean="0"/>
-              <a:t>‹#›</a:t>
+              <a:t>‹nº›</a:t>
             </a:fld>
             <a:endParaRPr lang="en-US"/>
           </a:p>
@@ -1201,7 +1201,7 @@
           <a:p>
             <a:fld id="{A4C16BB6-8FF1-4342-ACED-723EEDF5A2DF}" type="slidenum">
               <a:rPr lang="en-US" smtClean="0"/>
-              <a:t>‹#›</a:t>
+              <a:t>‹nº›</a:t>
             </a:fld>
             <a:endParaRPr lang="en-US"/>
           </a:p>
@@ -1469,7 +1469,7 @@
           <a:p>
             <a:fld id="{A4C16BB6-8FF1-4342-ACED-723EEDF5A2DF}" type="slidenum">
               <a:rPr lang="en-US" smtClean="0"/>
-              <a:t>‹#›</a:t>
+              <a:t>‹nº›</a:t>
             </a:fld>
             <a:endParaRPr lang="en-US"/>
           </a:p>
@@ -1884,7 +1884,7 @@
           <a:p>
             <a:fld id="{A4C16BB6-8FF1-4342-ACED-723EEDF5A2DF}" type="slidenum">
               <a:rPr lang="en-US" smtClean="0"/>
-              <a:t>‹#›</a:t>
+              <a:t>‹nº›</a:t>
             </a:fld>
             <a:endParaRPr lang="en-US"/>
           </a:p>
@@ -2026,7 +2026,7 @@
           <a:p>
             <a:fld id="{A4C16BB6-8FF1-4342-ACED-723EEDF5A2DF}" type="slidenum">
               <a:rPr lang="en-US" smtClean="0"/>
-              <a:t>‹#›</a:t>
+              <a:t>‹nº›</a:t>
             </a:fld>
             <a:endParaRPr lang="en-US"/>
           </a:p>
@@ -2139,7 +2139,7 @@
           <a:p>
             <a:fld id="{A4C16BB6-8FF1-4342-ACED-723EEDF5A2DF}" type="slidenum">
               <a:rPr lang="en-US" smtClean="0"/>
-              <a:t>‹#›</a:t>
+              <a:t>‹nº›</a:t>
             </a:fld>
             <a:endParaRPr lang="en-US"/>
           </a:p>
@@ -2452,7 +2452,7 @@
           <a:p>
             <a:fld id="{A4C16BB6-8FF1-4342-ACED-723EEDF5A2DF}" type="slidenum">
               <a:rPr lang="en-US" smtClean="0"/>
-              <a:t>‹#›</a:t>
+              <a:t>‹nº›</a:t>
             </a:fld>
             <a:endParaRPr lang="en-US"/>
           </a:p>
@@ -2741,7 +2741,7 @@
           <a:p>
             <a:fld id="{A4C16BB6-8FF1-4342-ACED-723EEDF5A2DF}" type="slidenum">
               <a:rPr lang="en-US" smtClean="0"/>
-              <a:t>‹#›</a:t>
+              <a:t>‹nº›</a:t>
             </a:fld>
             <a:endParaRPr lang="en-US"/>
           </a:p>
@@ -3020,7 +3020,7 @@
           <a:p>
             <a:fld id="{A4C16BB6-8FF1-4342-ACED-723EEDF5A2DF}" type="slidenum">
               <a:rPr lang="en-US" smtClean="0"/>
-              <a:t>‹#›</a:t>
+              <a:t>‹nº›</a:t>
             </a:fld>
             <a:endParaRPr lang="en-US"/>
           </a:p>
@@ -3717,7 +3717,7 @@
           <p:nvPr/>
         </p:nvPicPr>
         <p:blipFill>
-          <a:blip r:embed="rId2">
+          <a:blip r:embed="rId2" cstate="hqprint">
             <a:extLst>
               <a:ext uri="{28A0092B-C50C-407E-A947-70E740481C1C}">
                 <a14:useLocalDpi xmlns:a14="http://schemas.microsoft.com/office/drawing/2010/main" val="0"/>
@@ -3731,7 +3731,7 @@
         </p:blipFill>
         <p:spPr bwMode="auto">
           <a:xfrm>
-            <a:off x="1705772" y="1321116"/>
+            <a:off x="1598196" y="1321116"/>
             <a:ext cx="1112191" cy="625608"/>
           </a:xfrm>
           <a:prstGeom prst="rect">
@@ -3809,7 +3809,7 @@
           <p:nvPr/>
         </p:nvPicPr>
         <p:blipFill>
-          <a:blip r:embed="rId3">
+          <a:blip r:embed="rId3" cstate="hqprint">
             <a:extLst>
               <a:ext uri="{28A0092B-C50C-407E-A947-70E740481C1C}">
                 <a14:useLocalDpi xmlns:a14="http://schemas.microsoft.com/office/drawing/2010/main" val="0"/>
@@ -3823,7 +3823,7 @@
         </p:blipFill>
         <p:spPr bwMode="auto">
           <a:xfrm rot="16200000">
-            <a:off x="1244419" y="1432850"/>
+            <a:off x="1136843" y="1432850"/>
             <a:ext cx="305240" cy="305240"/>
           </a:xfrm>
           <a:prstGeom prst="rect">
@@ -3856,7 +3856,7 @@
           <p:nvPr/>
         </p:nvPicPr>
         <p:blipFill>
-          <a:blip r:embed="rId4">
+          <a:blip r:embed="rId4" cstate="hqprint">
             <a:extLst>
               <a:ext uri="{28A0092B-C50C-407E-A947-70E740481C1C}">
                 <a14:useLocalDpi xmlns:a14="http://schemas.microsoft.com/office/drawing/2010/main" val="0"/>
@@ -3892,13 +3892,13 @@
           <p:nvPr/>
         </p:nvPicPr>
         <p:blipFill>
-          <a:blip r:embed="rId5">
+          <a:blip r:embed="rId5" cstate="hqprint">
             <a:extLst>
               <a:ext uri="{28A0092B-C50C-407E-A947-70E740481C1C}">
                 <a14:useLocalDpi xmlns:a14="http://schemas.microsoft.com/office/drawing/2010/main" val="0"/>
               </a:ext>
               <a:ext uri="{96DAC541-7B7A-43D3-8B79-37D633B846F1}">
-                <asvg:svgBlip xmlns:asvg="http://schemas.microsoft.com/office/drawing/2016/SVG/main" r:embed="rId6"/>
+                <asvg:svgBlip xmlns="" xmlns:asvg="http://schemas.microsoft.com/office/drawing/2016/SVG/main" r:embed="rId6"/>
               </a:ext>
             </a:extLst>
           </a:blip>
@@ -3966,8 +3966,8 @@
         </p:nvSpPr>
         <p:spPr>
           <a:xfrm>
-            <a:off x="403534" y="2576764"/>
-            <a:ext cx="2239716" cy="430887"/>
+            <a:off x="134470" y="2494668"/>
+            <a:ext cx="2721853" cy="646331"/>
           </a:xfrm>
           <a:prstGeom prst="rect">
             <a:avLst/>
@@ -3975,21 +3975,75 @@
           <a:noFill/>
         </p:spPr>
         <p:txBody>
-          <a:bodyPr wrap="none" rtlCol="0">
+          <a:bodyPr wrap="square" rtlCol="0">
             <a:spAutoFit/>
           </a:bodyPr>
           <a:lstStyle/>
           <a:p>
-            <a:r>
-              <a:rPr lang="pt-BR" sz="1100" dirty="0"/>
-              <a:t>O rapaz está querendo melhorar  os</a:t>
-            </a:r>
-          </a:p>
-          <a:p>
-            <a:r>
-              <a:rPr lang="pt-BR" sz="1100" dirty="0"/>
-              <a:t>seus hábitos alimentares.</a:t>
-            </a:r>
+            <a:pPr algn="ctr"/>
+            <a:r>
+              <a:rPr lang="pt-BR" sz="1200" dirty="0" smtClean="0">
+                <a:latin typeface="+mj-lt"/>
+                <a:cs typeface="Arial" panose="020B0604020202020204" pitchFamily="34" charset="0"/>
+              </a:rPr>
+              <a:t>Juliano está muito frustrado com a </a:t>
+            </a:r>
+            <a:r>
+              <a:rPr lang="pt-BR" sz="1200" dirty="0" smtClean="0">
+                <a:latin typeface="+mj-lt"/>
+                <a:cs typeface="Arial" panose="020B0604020202020204" pitchFamily="34" charset="0"/>
+              </a:rPr>
+              <a:t>sua</a:t>
+            </a:r>
+          </a:p>
+          <a:p>
+            <a:pPr algn="ctr"/>
+            <a:r>
+              <a:rPr lang="pt-BR" sz="1200" dirty="0" smtClean="0">
+                <a:latin typeface="+mj-lt"/>
+                <a:cs typeface="Arial" panose="020B0604020202020204" pitchFamily="34" charset="0"/>
+              </a:rPr>
+              <a:t> forma de </a:t>
+            </a:r>
+            <a:r>
+              <a:rPr lang="pt-BR" sz="1200" dirty="0" smtClean="0">
+                <a:latin typeface="+mj-lt"/>
+                <a:cs typeface="Arial" panose="020B0604020202020204" pitchFamily="34" charset="0"/>
+              </a:rPr>
+              <a:t>alimentação, e para ajudar lhe indicaram </a:t>
+            </a:r>
+            <a:r>
+              <a:rPr lang="pt-BR" sz="1200" dirty="0" smtClean="0">
+                <a:latin typeface="+mj-lt"/>
+                <a:cs typeface="Arial" panose="020B0604020202020204" pitchFamily="34" charset="0"/>
+              </a:rPr>
+              <a:t>o </a:t>
+            </a:r>
+            <a:r>
+              <a:rPr lang="pt-BR" sz="1200" dirty="0" err="1" smtClean="0">
+                <a:latin typeface="+mj-lt"/>
+                <a:cs typeface="Arial" panose="020B0604020202020204" pitchFamily="34" charset="0"/>
+              </a:rPr>
+              <a:t>My</a:t>
+            </a:r>
+            <a:r>
+              <a:rPr lang="pt-BR" sz="1200" dirty="0" smtClean="0">
+                <a:latin typeface="+mj-lt"/>
+                <a:cs typeface="Arial" panose="020B0604020202020204" pitchFamily="34" charset="0"/>
+              </a:rPr>
+              <a:t> </a:t>
+            </a:r>
+            <a:r>
+              <a:rPr lang="pt-BR" sz="1200" dirty="0" smtClean="0">
+                <a:latin typeface="+mj-lt"/>
+                <a:cs typeface="Arial" panose="020B0604020202020204" pitchFamily="34" charset="0"/>
+              </a:rPr>
+              <a:t>Health.</a:t>
+            </a:r>
+            <a:endParaRPr lang="pt-BR" sz="1200" dirty="0">
+              <a:latin typeface="+mj-lt"/>
+              <a:cs typeface="Arial" panose="020B0604020202020204" pitchFamily="34" charset="0"/>
+            </a:endParaRPr>
           </a:p>
         </p:txBody>
       </p:sp>
@@ -4043,8 +4097,8 @@
         </p:nvSpPr>
         <p:spPr>
           <a:xfrm>
-            <a:off x="3332061" y="2545986"/>
-            <a:ext cx="2388753" cy="461665"/>
+            <a:off x="3280526" y="2519324"/>
+            <a:ext cx="2489257" cy="646331"/>
           </a:xfrm>
           <a:prstGeom prst="rect">
             <a:avLst/>
@@ -4058,10 +4112,16 @@
           <a:p>
             <a:pPr algn="ctr"/>
             <a:r>
-              <a:rPr lang="pt-BR" sz="1200" dirty="0"/>
-              <a:t>A pessoas acessa o site do My Health e se cadastra.</a:t>
-            </a:r>
-            <a:endParaRPr lang="en-US" sz="1200" dirty="0"/>
+              <a:rPr lang="pt-BR" sz="1200" dirty="0">
+                <a:latin typeface="+mj-lt"/>
+                <a:cs typeface="Arial" panose="020B0604020202020204" pitchFamily="34" charset="0"/>
+              </a:rPr>
+              <a:t>Ele então acessa o site, após breve análise percebe que era exatamente o que procurava, então  se cadastra.</a:t>
+            </a:r>
+            <a:endParaRPr lang="en-US" sz="1200" dirty="0">
+              <a:latin typeface="+mj-lt"/>
+              <a:cs typeface="Arial" panose="020B0604020202020204" pitchFamily="34" charset="0"/>
+            </a:endParaRPr>
           </a:p>
         </p:txBody>
       </p:sp>
@@ -4080,13 +4140,13 @@
           <p:nvPr/>
         </p:nvPicPr>
         <p:blipFill>
-          <a:blip r:embed="rId5">
+          <a:blip r:embed="rId5" cstate="hqprint">
             <a:extLst>
               <a:ext uri="{28A0092B-C50C-407E-A947-70E740481C1C}">
                 <a14:useLocalDpi xmlns:a14="http://schemas.microsoft.com/office/drawing/2010/main" val="0"/>
               </a:ext>
               <a:ext uri="{96DAC541-7B7A-43D3-8B79-37D633B846F1}">
-                <asvg:svgBlip xmlns:asvg="http://schemas.microsoft.com/office/drawing/2016/SVG/main" r:embed="rId6"/>
+                <asvg:svgBlip xmlns="" xmlns:asvg="http://schemas.microsoft.com/office/drawing/2016/SVG/main" r:embed="rId6"/>
               </a:ext>
             </a:extLst>
           </a:blip>
@@ -4119,7 +4179,7 @@
           <p:nvPr/>
         </p:nvPicPr>
         <p:blipFill>
-          <a:blip r:embed="rId2">
+          <a:blip r:embed="rId7">
             <a:extLst>
               <a:ext uri="{28A0092B-C50C-407E-A947-70E740481C1C}">
                 <a14:useLocalDpi xmlns:a14="http://schemas.microsoft.com/office/drawing/2010/main" val="0"/>
@@ -4201,30 +4261,36 @@
         </p:nvSpPr>
         <p:spPr>
           <a:xfrm>
-            <a:off x="6127475" y="2507280"/>
-            <a:ext cx="2896562" cy="461665"/>
+            <a:off x="6189925" y="2505481"/>
+            <a:ext cx="2714920" cy="646331"/>
           </a:xfrm>
           <a:prstGeom prst="rect">
             <a:avLst/>
           </a:prstGeom>
         </p:spPr>
         <p:txBody>
-          <a:bodyPr wrap="none">
+          <a:bodyPr wrap="square">
             <a:spAutoFit/>
           </a:bodyPr>
           <a:lstStyle/>
           <a:p>
             <a:pPr algn="ctr"/>
             <a:r>
-              <a:rPr lang="pt-BR" sz="1200" dirty="0"/>
-              <a:t>Após realizar login, aparecerá o feed </a:t>
+              <a:rPr lang="pt-BR" sz="1200" dirty="0">
+                <a:latin typeface="+mj-lt"/>
+                <a:cs typeface="Arial" panose="020B0604020202020204" pitchFamily="34" charset="0"/>
+              </a:rPr>
+              <a:t>Logo de inicio aparecerá o feed </a:t>
             </a:r>
           </a:p>
           <a:p>
             <a:pPr algn="ctr"/>
             <a:r>
-              <a:rPr lang="pt-BR" sz="1200" dirty="0"/>
-              <a:t>do site, com o progresso de outros usuáios.</a:t>
+              <a:rPr lang="pt-BR" sz="1200" dirty="0">
+                <a:latin typeface="+mj-lt"/>
+                <a:cs typeface="Arial" panose="020B0604020202020204" pitchFamily="34" charset="0"/>
+              </a:rPr>
+              <a:t>do site, com o progresso de outros usuários.</a:t>
             </a:r>
           </a:p>
         </p:txBody>
@@ -4280,7 +4346,7 @@
           <p:nvPr/>
         </p:nvPicPr>
         <p:blipFill>
-          <a:blip r:embed="rId2">
+          <a:blip r:embed="rId7">
             <a:extLst>
               <a:ext uri="{28A0092B-C50C-407E-A947-70E740481C1C}">
                 <a14:useLocalDpi xmlns:a14="http://schemas.microsoft.com/office/drawing/2010/main" val="0"/>
@@ -4326,37 +4392,75 @@
         </p:nvSpPr>
         <p:spPr>
           <a:xfrm>
-            <a:off x="9183025" y="2507280"/>
-            <a:ext cx="2826095" cy="646331"/>
+            <a:off x="9208189" y="2524048"/>
+            <a:ext cx="2809307" cy="646331"/>
           </a:xfrm>
           <a:prstGeom prst="rect">
             <a:avLst/>
           </a:prstGeom>
         </p:spPr>
         <p:txBody>
-          <a:bodyPr wrap="none">
+          <a:bodyPr wrap="square">
             <a:spAutoFit/>
           </a:bodyPr>
           <a:lstStyle/>
           <a:p>
             <a:pPr algn="ctr"/>
             <a:r>
-              <a:rPr lang="pt-BR" sz="1200" dirty="0"/>
-              <a:t>Com essas informações a pessoa entra no </a:t>
-            </a:r>
+              <a:rPr lang="pt-BR" sz="1200" dirty="0">
+                <a:latin typeface="+mj-lt"/>
+                <a:cs typeface="Arial" panose="020B0604020202020204" pitchFamily="34" charset="0"/>
+              </a:rPr>
+              <a:t>Então o próximo passo de Juliano é, entrar </a:t>
+            </a:r>
+            <a:endParaRPr lang="pt-BR" sz="1200" dirty="0" smtClean="0">
+              <a:latin typeface="+mj-lt"/>
+              <a:cs typeface="Arial" panose="020B0604020202020204" pitchFamily="34" charset="0"/>
+            </a:endParaRPr>
           </a:p>
           <a:p>
             <a:pPr algn="ctr"/>
             <a:r>
-              <a:rPr lang="pt-BR" sz="1200" dirty="0"/>
-              <a:t>seu perfil e estabelece os objetivos </a:t>
-            </a:r>
-          </a:p>
-          <a:p>
-            <a:pPr algn="ctr"/>
-            <a:r>
-              <a:rPr lang="pt-BR" sz="1200" dirty="0"/>
-              <a:t>pessoais.</a:t>
+              <a:rPr lang="pt-BR" sz="1200" dirty="0" smtClean="0">
+                <a:latin typeface="+mj-lt"/>
+                <a:cs typeface="Arial" panose="020B0604020202020204" pitchFamily="34" charset="0"/>
+              </a:rPr>
+              <a:t>no seu </a:t>
+            </a:r>
+            <a:r>
+              <a:rPr lang="pt-BR" sz="1200" dirty="0">
+                <a:latin typeface="+mj-lt"/>
+                <a:cs typeface="Arial" panose="020B0604020202020204" pitchFamily="34" charset="0"/>
+              </a:rPr>
+              <a:t>perfil e </a:t>
+            </a:r>
+            <a:r>
+              <a:rPr lang="pt-BR" sz="1200" dirty="0">
+                <a:latin typeface="+mj-lt"/>
+                <a:cs typeface="Arial" panose="020B0604020202020204" pitchFamily="34" charset="0"/>
+              </a:rPr>
+              <a:t>estabelecer os seus próprios </a:t>
+            </a:r>
+            <a:r>
+              <a:rPr lang="pt-BR" sz="1200" dirty="0" smtClean="0">
+                <a:latin typeface="+mj-lt"/>
+                <a:cs typeface="Arial" panose="020B0604020202020204" pitchFamily="34" charset="0"/>
+              </a:rPr>
+              <a:t>objetivos </a:t>
+            </a:r>
+            <a:r>
+              <a:rPr lang="pt-BR" sz="1200" dirty="0">
+                <a:latin typeface="+mj-lt"/>
+                <a:cs typeface="Arial" panose="020B0604020202020204" pitchFamily="34" charset="0"/>
+              </a:rPr>
+              <a:t>pessoais</a:t>
+            </a:r>
+            <a:r>
+              <a:rPr lang="pt-BR" sz="1200" dirty="0">
+                <a:latin typeface="+mj-lt"/>
+                <a:cs typeface="Arial" panose="020B0604020202020204" pitchFamily="34" charset="0"/>
+              </a:rPr>
+              <a:t>.</a:t>
             </a:r>
           </a:p>
         </p:txBody>
@@ -4376,7 +4480,7 @@
           <p:nvPr/>
         </p:nvPicPr>
         <p:blipFill>
-          <a:blip r:embed="rId2">
+          <a:blip r:embed="rId7">
             <a:extLst>
               <a:ext uri="{28A0092B-C50C-407E-A947-70E740481C1C}">
                 <a14:useLocalDpi xmlns:a14="http://schemas.microsoft.com/office/drawing/2010/main" val="0"/>
@@ -4458,31 +4562,38 @@
         </p:nvSpPr>
         <p:spPr>
           <a:xfrm>
-            <a:off x="218665" y="5823842"/>
-            <a:ext cx="2553776" cy="461665"/>
+            <a:off x="169787" y="5900315"/>
+            <a:ext cx="2693164" cy="461665"/>
           </a:xfrm>
           <a:prstGeom prst="rect">
             <a:avLst/>
           </a:prstGeom>
         </p:spPr>
         <p:txBody>
-          <a:bodyPr wrap="none">
+          <a:bodyPr wrap="square">
             <a:spAutoFit/>
           </a:bodyPr>
           <a:lstStyle/>
           <a:p>
             <a:pPr algn="ctr"/>
             <a:r>
-              <a:rPr lang="pt-BR" sz="1200" dirty="0"/>
-              <a:t>Com isso é direcionada para cadastrar</a:t>
-            </a:r>
-          </a:p>
-          <a:p>
-            <a:pPr algn="ctr"/>
-            <a:r>
-              <a:rPr lang="pt-BR" sz="1200" dirty="0"/>
-              <a:t>a refeição desejada.</a:t>
-            </a:r>
+              <a:rPr lang="pt-BR" sz="1200" dirty="0">
+                <a:latin typeface="+mj-lt"/>
+                <a:cs typeface="Arial" panose="020B0604020202020204" pitchFamily="34" charset="0"/>
+              </a:rPr>
+              <a:t>Com isso é direcionada </a:t>
+            </a:r>
+            <a:r>
+              <a:rPr lang="pt-BR" sz="1200" dirty="0">
+                <a:latin typeface="+mj-lt"/>
+                <a:cs typeface="Arial" panose="020B0604020202020204" pitchFamily="34" charset="0"/>
+              </a:rPr>
+              <a:t>para o primeiro cadastro de refeição..</a:t>
+            </a:r>
+            <a:endParaRPr lang="pt-BR" sz="1200" dirty="0">
+              <a:latin typeface="+mj-lt"/>
+              <a:cs typeface="Arial" panose="020B0604020202020204" pitchFamily="34" charset="0"/>
+            </a:endParaRPr>
           </a:p>
         </p:txBody>
       </p:sp>
@@ -4536,7 +4647,7 @@
         </p:nvSpPr>
         <p:spPr>
           <a:xfrm>
-            <a:off x="3357707" y="5783851"/>
+            <a:off x="3344884" y="5809552"/>
             <a:ext cx="2363107" cy="646331"/>
           </a:xfrm>
           <a:prstGeom prst="rect">
@@ -4551,8 +4662,18 @@
           <a:p>
             <a:pPr algn="ctr"/>
             <a:r>
-              <a:rPr lang="pt-BR" sz="1200" dirty="0"/>
-              <a:t>Logo após já esta disponivel a visualização dos dados especificos desta refeição.</a:t>
+              <a:rPr lang="pt-BR" sz="1200" dirty="0">
+                <a:latin typeface="+mj-lt"/>
+                <a:cs typeface="Arial" panose="020B0604020202020204" pitchFamily="34" charset="0"/>
+              </a:rPr>
+              <a:t>Logo em seguida já estará </a:t>
+            </a:r>
+            <a:r>
+              <a:rPr lang="pt-BR" sz="1200" dirty="0">
+                <a:latin typeface="+mj-lt"/>
+                <a:cs typeface="Arial" panose="020B0604020202020204" pitchFamily="34" charset="0"/>
+              </a:rPr>
+              <a:t>disponivel a visualização dos dados especificos desta refeição.</a:t>
             </a:r>
           </a:p>
         </p:txBody>
@@ -4593,53 +4714,6 @@
           </a:fontRef>
         </p:style>
       </p:cxnSp>
-      <p:pic>
-        <p:nvPicPr>
-          <p:cNvPr id="53" name="Picture 6" descr="ícone laptop, computador">
-            <a:extLst>
-              <a:ext uri="{FF2B5EF4-FFF2-40B4-BE49-F238E27FC236}">
-                <a16:creationId xmlns:a16="http://schemas.microsoft.com/office/drawing/2014/main" id="{B0E346D4-FFB1-4633-A8DE-4D55334C1924}"/>
-              </a:ext>
-            </a:extLst>
-          </p:cNvPr>
-          <p:cNvPicPr>
-            <a:picLocks noChangeAspect="1" noChangeArrowheads="1"/>
-          </p:cNvPicPr>
-          <p:nvPr/>
-        </p:nvPicPr>
-        <p:blipFill>
-          <a:blip r:embed="rId2">
-            <a:extLst>
-              <a:ext uri="{28A0092B-C50C-407E-A947-70E740481C1C}">
-                <a14:useLocalDpi xmlns:a14="http://schemas.microsoft.com/office/drawing/2010/main" val="0"/>
-              </a:ext>
-            </a:extLst>
-          </a:blip>
-          <a:srcRect/>
-          <a:stretch>
-            <a:fillRect/>
-          </a:stretch>
-        </p:blipFill>
-        <p:spPr bwMode="auto">
-          <a:xfrm>
-            <a:off x="4021556" y="4436390"/>
-            <a:ext cx="949382" cy="534028"/>
-          </a:xfrm>
-          <a:prstGeom prst="rect">
-            <a:avLst/>
-          </a:prstGeom>
-          <a:noFill/>
-          <a:extLst>
-            <a:ext uri="{909E8E84-426E-40DD-AFC4-6F175D3DCCD1}">
-              <a14:hiddenFill xmlns:a14="http://schemas.microsoft.com/office/drawing/2010/main">
-                <a:solidFill>
-                  <a:srgbClr val="FFFFFF"/>
-                </a:solidFill>
-              </a14:hiddenFill>
-            </a:ext>
-          </a:extLst>
-        </p:spPr>
-      </p:pic>
       <p:sp>
         <p:nvSpPr>
           <p:cNvPr id="24" name="Retângulo 23">
@@ -4722,7 +4796,7 @@
         </p:nvSpPr>
         <p:spPr>
           <a:xfrm>
-            <a:off x="9160325" y="5925619"/>
+            <a:off x="9160325" y="5952513"/>
             <a:ext cx="2835898" cy="369332"/>
           </a:xfrm>
           <a:prstGeom prst="rect">
@@ -4749,6 +4823,76 @@
             <a:extLst>
               <a:ext uri="{FF2B5EF4-FFF2-40B4-BE49-F238E27FC236}">
                 <a16:creationId xmlns:a16="http://schemas.microsoft.com/office/drawing/2014/main" id="{34479ABD-E28D-4004-A3C0-3A50C5E8EC57}"/>
+              </a:ext>
+            </a:extLst>
+          </p:cNvPr>
+          <p:cNvPicPr>
+            <a:picLocks noChangeAspect="1"/>
+          </p:cNvPicPr>
+          <p:nvPr/>
+        </p:nvPicPr>
+        <p:blipFill rotWithShape="1">
+          <a:blip r:embed="rId8" cstate="hqprint">
+            <a:extLst>
+              <a:ext uri="{28A0092B-C50C-407E-A947-70E740481C1C}">
+                <a14:useLocalDpi xmlns:a14="http://schemas.microsoft.com/office/drawing/2010/main" val="0"/>
+              </a:ext>
+            </a:extLst>
+          </a:blip>
+          <a:srcRect l="56728" r="-1"/>
+          <a:stretch/>
+        </p:blipFill>
+        <p:spPr>
+          <a:xfrm>
+            <a:off x="540124" y="909414"/>
+            <a:ext cx="385604" cy="1292242"/>
+          </a:xfrm>
+          <a:prstGeom prst="rect">
+            <a:avLst/>
+          </a:prstGeom>
+        </p:spPr>
+      </p:pic>
+      <p:pic>
+        <p:nvPicPr>
+          <p:cNvPr id="71" name="Picture 70" descr="Icon&#10;&#10;Description automatically generated">
+            <a:extLst>
+              <a:ext uri="{FF2B5EF4-FFF2-40B4-BE49-F238E27FC236}">
+                <a16:creationId xmlns:a16="http://schemas.microsoft.com/office/drawing/2014/main" id="{07505C27-B8D2-4D52-AA6B-3203E1BDF7ED}"/>
+              </a:ext>
+            </a:extLst>
+          </p:cNvPr>
+          <p:cNvPicPr>
+            <a:picLocks noChangeAspect="1"/>
+          </p:cNvPicPr>
+          <p:nvPr/>
+        </p:nvPicPr>
+        <p:blipFill rotWithShape="1">
+          <a:blip r:embed="rId8" cstate="hqprint">
+            <a:extLst>
+              <a:ext uri="{28A0092B-C50C-407E-A947-70E740481C1C}">
+                <a14:useLocalDpi xmlns:a14="http://schemas.microsoft.com/office/drawing/2010/main" val="0"/>
+              </a:ext>
+            </a:extLst>
+          </a:blip>
+          <a:srcRect l="19775" t="6082" r="43918" b="56386"/>
+          <a:stretch/>
+        </p:blipFill>
+        <p:spPr>
+          <a:xfrm rot="12320263">
+            <a:off x="754166" y="1336821"/>
+            <a:ext cx="323540" cy="484994"/>
+          </a:xfrm>
+          <a:prstGeom prst="rect">
+            <a:avLst/>
+          </a:prstGeom>
+        </p:spPr>
+      </p:pic>
+      <p:pic>
+        <p:nvPicPr>
+          <p:cNvPr id="27" name="Picture 26">
+            <a:extLst>
+              <a:ext uri="{FF2B5EF4-FFF2-40B4-BE49-F238E27FC236}">
+                <a16:creationId xmlns:a16="http://schemas.microsoft.com/office/drawing/2014/main" id="{F00DF1B2-C98D-49BB-8ACE-07A20BAE69C4}"/>
               </a:ext>
             </a:extLst>
           </p:cNvPr>
@@ -4758,21 +4902,15 @@
           <p:nvPr/>
         </p:nvPicPr>
         <p:blipFill>
-          <a:blip r:embed="rId7">
-            <a:extLst>
-              <a:ext uri="{28A0092B-C50C-407E-A947-70E740481C1C}">
-                <a14:useLocalDpi xmlns:a14="http://schemas.microsoft.com/office/drawing/2010/main" val="0"/>
-              </a:ext>
-            </a:extLst>
-          </a:blip>
+          <a:blip r:embed="rId9"/>
           <a:stretch>
             <a:fillRect/>
           </a:stretch>
         </p:blipFill>
         <p:spPr>
           <a:xfrm>
-            <a:off x="142191" y="909414"/>
-            <a:ext cx="891114" cy="1292242"/>
+            <a:off x="1895766" y="1384828"/>
+            <a:ext cx="475099" cy="444154"/>
           </a:xfrm>
           <a:prstGeom prst="rect">
             <a:avLst/>
@@ -4781,10 +4919,10 @@
       </p:pic>
       <p:pic>
         <p:nvPicPr>
-          <p:cNvPr id="71" name="Picture 70" descr="Icon&#10;&#10;Description automatically generated">
-            <a:extLst>
-              <a:ext uri="{FF2B5EF4-FFF2-40B4-BE49-F238E27FC236}">
-                <a16:creationId xmlns:a16="http://schemas.microsoft.com/office/drawing/2014/main" id="{07505C27-B8D2-4D52-AA6B-3203E1BDF7ED}"/>
+          <p:cNvPr id="72" name="Picture 71" descr="Icon&#10;&#10;Description automatically generated">
+            <a:extLst>
+              <a:ext uri="{FF2B5EF4-FFF2-40B4-BE49-F238E27FC236}">
+                <a16:creationId xmlns:a16="http://schemas.microsoft.com/office/drawing/2014/main" id="{57C2AE74-AD80-40DB-8D53-9419B9BA4662}"/>
               </a:ext>
             </a:extLst>
           </p:cNvPr>
@@ -4794,72 +4932,7 @@
           <p:nvPr/>
         </p:nvPicPr>
         <p:blipFill rotWithShape="1">
-          <a:blip r:embed="rId7">
-            <a:extLst>
-              <a:ext uri="{28A0092B-C50C-407E-A947-70E740481C1C}">
-                <a14:useLocalDpi xmlns:a14="http://schemas.microsoft.com/office/drawing/2010/main" val="0"/>
-              </a:ext>
-            </a:extLst>
-          </a:blip>
-          <a:srcRect l="19775" t="6082" r="43816" b="47446"/>
-          <a:stretch/>
-        </p:blipFill>
-        <p:spPr>
-          <a:xfrm rot="12320263">
-            <a:off x="872699" y="1226653"/>
-            <a:ext cx="324454" cy="600522"/>
-          </a:xfrm>
-          <a:prstGeom prst="rect">
-            <a:avLst/>
-          </a:prstGeom>
-        </p:spPr>
-      </p:pic>
-      <p:pic>
-        <p:nvPicPr>
-          <p:cNvPr id="27" name="Picture 26">
-            <a:extLst>
-              <a:ext uri="{FF2B5EF4-FFF2-40B4-BE49-F238E27FC236}">
-                <a16:creationId xmlns:a16="http://schemas.microsoft.com/office/drawing/2014/main" id="{F00DF1B2-C98D-49BB-8ACE-07A20BAE69C4}"/>
-              </a:ext>
-            </a:extLst>
-          </p:cNvPr>
-          <p:cNvPicPr>
-            <a:picLocks noChangeAspect="1"/>
-          </p:cNvPicPr>
-          <p:nvPr/>
-        </p:nvPicPr>
-        <p:blipFill>
-          <a:blip r:embed="rId8"/>
-          <a:stretch>
-            <a:fillRect/>
-          </a:stretch>
-        </p:blipFill>
-        <p:spPr>
-          <a:xfrm>
-            <a:off x="2003342" y="1384828"/>
-            <a:ext cx="475099" cy="444154"/>
-          </a:xfrm>
-          <a:prstGeom prst="rect">
-            <a:avLst/>
-          </a:prstGeom>
-        </p:spPr>
-      </p:pic>
-      <p:pic>
-        <p:nvPicPr>
-          <p:cNvPr id="72" name="Picture 71" descr="Icon&#10;&#10;Description automatically generated">
-            <a:extLst>
-              <a:ext uri="{FF2B5EF4-FFF2-40B4-BE49-F238E27FC236}">
-                <a16:creationId xmlns:a16="http://schemas.microsoft.com/office/drawing/2014/main" id="{57C2AE74-AD80-40DB-8D53-9419B9BA4662}"/>
-              </a:ext>
-            </a:extLst>
-          </p:cNvPr>
-          <p:cNvPicPr>
-            <a:picLocks noChangeAspect="1"/>
-          </p:cNvPicPr>
-          <p:nvPr/>
-        </p:nvPicPr>
-        <p:blipFill rotWithShape="1">
-          <a:blip r:embed="rId7">
+          <a:blip r:embed="rId8">
             <a:extLst>
               <a:ext uri="{28A0092B-C50C-407E-A947-70E740481C1C}">
                 <a14:useLocalDpi xmlns:a14="http://schemas.microsoft.com/office/drawing/2010/main" val="0"/>
@@ -4871,7 +4944,7 @@
         </p:blipFill>
         <p:spPr>
           <a:xfrm>
-            <a:off x="3043433" y="1046269"/>
+            <a:off x="3057871" y="1048076"/>
             <a:ext cx="954710" cy="977697"/>
           </a:xfrm>
           <a:prstGeom prst="rect">
@@ -4894,7 +4967,7 @@
           <p:nvPr/>
         </p:nvPicPr>
         <p:blipFill>
-          <a:blip r:embed="rId2">
+          <a:blip r:embed="rId7">
             <a:extLst>
               <a:ext uri="{28A0092B-C50C-407E-A947-70E740481C1C}">
                 <a14:useLocalDpi xmlns:a14="http://schemas.microsoft.com/office/drawing/2010/main" val="0"/>
@@ -4941,7 +5014,7 @@
           <p:nvPr/>
         </p:nvPicPr>
         <p:blipFill rotWithShape="1">
-          <a:blip r:embed="rId7">
+          <a:blip r:embed="rId8">
             <a:extLst>
               <a:ext uri="{28A0092B-C50C-407E-A947-70E740481C1C}">
                 <a14:useLocalDpi xmlns:a14="http://schemas.microsoft.com/office/drawing/2010/main" val="0"/>
@@ -4976,7 +5049,7 @@
           <p:nvPr/>
         </p:nvPicPr>
         <p:blipFill>
-          <a:blip r:embed="rId9">
+          <a:blip r:embed="rId10" cstate="hqprint">
             <a:extLst>
               <a:ext uri="{28A0092B-C50C-407E-A947-70E740481C1C}">
                 <a14:useLocalDpi xmlns:a14="http://schemas.microsoft.com/office/drawing/2010/main" val="0"/>
@@ -4989,8 +5062,8 @@
         </p:blipFill>
         <p:spPr>
           <a:xfrm>
-            <a:off x="6708297" y="355063"/>
-            <a:ext cx="1759011" cy="1021774"/>
+            <a:off x="4410085" y="1187607"/>
+            <a:ext cx="1170826" cy="680109"/>
           </a:xfrm>
           <a:prstGeom prst="rect">
             <a:avLst/>
@@ -4999,10 +5072,10 @@
       </p:pic>
       <p:pic>
         <p:nvPicPr>
-          <p:cNvPr id="54" name="Picture 53" descr="Logo&#10;&#10;Description automatically generated">
-            <a:extLst>
-              <a:ext uri="{FF2B5EF4-FFF2-40B4-BE49-F238E27FC236}">
-                <a16:creationId xmlns:a16="http://schemas.microsoft.com/office/drawing/2014/main" id="{A33B2610-96A1-4A24-8AA4-E921DAA145D8}"/>
+          <p:cNvPr id="79" name="Picture 78" descr="Logo&#10;&#10;Description automatically generated">
+            <a:extLst>
+              <a:ext uri="{FF2B5EF4-FFF2-40B4-BE49-F238E27FC236}">
+                <a16:creationId xmlns:a16="http://schemas.microsoft.com/office/drawing/2014/main" id="{10B2324D-0C8F-4EBB-817B-F90A15FDA9AE}"/>
               </a:ext>
             </a:extLst>
           </p:cNvPr>
@@ -5012,7 +5085,7 @@
           <p:nvPr/>
         </p:nvPicPr>
         <p:blipFill>
-          <a:blip r:embed="rId10">
+          <a:blip r:embed="rId11" cstate="hqprint">
             <a:extLst>
               <a:ext uri="{28A0092B-C50C-407E-A947-70E740481C1C}">
                 <a14:useLocalDpi xmlns:a14="http://schemas.microsoft.com/office/drawing/2010/main" val="0"/>
@@ -5025,8 +5098,8 @@
         </p:blipFill>
         <p:spPr>
           <a:xfrm>
-            <a:off x="4213124" y="1120794"/>
-            <a:ext cx="1524283" cy="855292"/>
+            <a:off x="444477" y="3863897"/>
+            <a:ext cx="812075" cy="455664"/>
           </a:xfrm>
           <a:prstGeom prst="rect">
             <a:avLst/>
@@ -5035,10 +5108,10 @@
       </p:pic>
       <p:pic>
         <p:nvPicPr>
-          <p:cNvPr id="79" name="Picture 78" descr="Logo&#10;&#10;Description automatically generated">
-            <a:extLst>
-              <a:ext uri="{FF2B5EF4-FFF2-40B4-BE49-F238E27FC236}">
-                <a16:creationId xmlns:a16="http://schemas.microsoft.com/office/drawing/2014/main" id="{10B2324D-0C8F-4EBB-817B-F90A15FDA9AE}"/>
+          <p:cNvPr id="80" name="Picture 79" descr="Logo&#10;&#10;Description automatically generated">
+            <a:extLst>
+              <a:ext uri="{FF2B5EF4-FFF2-40B4-BE49-F238E27FC236}">
+                <a16:creationId xmlns:a16="http://schemas.microsoft.com/office/drawing/2014/main" id="{CCCCF6B5-4F68-4D8E-8D6C-BCB98015C5F9}"/>
               </a:ext>
             </a:extLst>
           </p:cNvPr>
@@ -5048,7 +5121,7 @@
           <p:nvPr/>
         </p:nvPicPr>
         <p:blipFill>
-          <a:blip r:embed="rId10">
+          <a:blip r:embed="rId11" cstate="hqprint">
             <a:extLst>
               <a:ext uri="{28A0092B-C50C-407E-A947-70E740481C1C}">
                 <a14:useLocalDpi xmlns:a14="http://schemas.microsoft.com/office/drawing/2010/main" val="0"/>
@@ -5061,7 +5134,7 @@
         </p:blipFill>
         <p:spPr>
           <a:xfrm>
-            <a:off x="444477" y="3863897"/>
+            <a:off x="9523163" y="665130"/>
             <a:ext cx="812075" cy="455664"/>
           </a:xfrm>
           <a:prstGeom prst="rect">
@@ -5071,10 +5144,201 @@
       </p:pic>
       <p:pic>
         <p:nvPicPr>
-          <p:cNvPr id="80" name="Picture 79" descr="Logo&#10;&#10;Description automatically generated">
-            <a:extLst>
-              <a:ext uri="{FF2B5EF4-FFF2-40B4-BE49-F238E27FC236}">
-                <a16:creationId xmlns:a16="http://schemas.microsoft.com/office/drawing/2014/main" id="{CCCCF6B5-4F68-4D8E-8D6C-BCB98015C5F9}"/>
+          <p:cNvPr id="47" name="Picture 70" descr="Icon&#10;&#10;Description automatically generated">
+            <a:extLst>
+              <a:ext uri="{FF2B5EF4-FFF2-40B4-BE49-F238E27FC236}">
+                <a16:creationId xmlns:a16="http://schemas.microsoft.com/office/drawing/2014/main" id="{07505C27-B8D2-4D52-AA6B-3203E1BDF7ED}"/>
+              </a:ext>
+            </a:extLst>
+          </p:cNvPr>
+          <p:cNvPicPr>
+            <a:picLocks noChangeAspect="1"/>
+          </p:cNvPicPr>
+          <p:nvPr/>
+        </p:nvPicPr>
+        <p:blipFill rotWithShape="1">
+          <a:blip r:embed="rId8" cstate="hqprint">
+            <a:extLst>
+              <a:ext uri="{28A0092B-C50C-407E-A947-70E740481C1C}">
+                <a14:useLocalDpi xmlns:a14="http://schemas.microsoft.com/office/drawing/2010/main" val="0"/>
+              </a:ext>
+            </a:extLst>
+          </a:blip>
+          <a:srcRect l="19775" t="6082" r="43918" b="56386"/>
+          <a:stretch/>
+        </p:blipFill>
+        <p:spPr>
+          <a:xfrm rot="3550385">
+            <a:off x="347852" y="1218563"/>
+            <a:ext cx="323540" cy="484994"/>
+          </a:xfrm>
+          <a:prstGeom prst="rect">
+            <a:avLst/>
+          </a:prstGeom>
+        </p:spPr>
+      </p:pic>
+      <p:cxnSp>
+        <p:nvCxnSpPr>
+          <p:cNvPr id="17" name="Conector reto 16"/>
+          <p:cNvCxnSpPr/>
+          <p:nvPr/>
+        </p:nvCxnSpPr>
+        <p:spPr>
+          <a:xfrm>
+            <a:off x="643090" y="1187607"/>
+            <a:ext cx="87956" cy="0"/>
+          </a:xfrm>
+          <a:prstGeom prst="line">
+            <a:avLst/>
+          </a:prstGeom>
+        </p:spPr>
+        <p:style>
+          <a:lnRef idx="3">
+            <a:schemeClr val="dk1"/>
+          </a:lnRef>
+          <a:fillRef idx="0">
+            <a:schemeClr val="dk1"/>
+          </a:fillRef>
+          <a:effectRef idx="2">
+            <a:schemeClr val="dk1"/>
+          </a:effectRef>
+          <a:fontRef idx="minor">
+            <a:schemeClr val="tx1"/>
+          </a:fontRef>
+        </p:style>
+      </p:cxnSp>
+      <p:sp>
+        <p:nvSpPr>
+          <p:cNvPr id="34" name="Arco 33"/>
+          <p:cNvSpPr/>
+          <p:nvPr/>
+        </p:nvSpPr>
+        <p:spPr>
+          <a:xfrm rot="8139417">
+            <a:off x="3362648" y="1468918"/>
+            <a:ext cx="380043" cy="370075"/>
+          </a:xfrm>
+          <a:prstGeom prst="arc">
+            <a:avLst/>
+          </a:prstGeom>
+        </p:spPr>
+        <p:style>
+          <a:lnRef idx="3">
+            <a:schemeClr val="dk1"/>
+          </a:lnRef>
+          <a:fillRef idx="0">
+            <a:schemeClr val="dk1"/>
+          </a:fillRef>
+          <a:effectRef idx="2">
+            <a:schemeClr val="dk1"/>
+          </a:effectRef>
+          <a:fontRef idx="minor">
+            <a:schemeClr val="tx1"/>
+          </a:fontRef>
+        </p:style>
+        <p:txBody>
+          <a:bodyPr rtlCol="0" anchor="ctr"/>
+          <a:lstStyle/>
+          <a:p>
+            <a:pPr algn="ctr"/>
+            <a:endParaRPr lang="pt-BR"/>
+          </a:p>
+        </p:txBody>
+      </p:sp>
+      <p:sp>
+        <p:nvSpPr>
+          <p:cNvPr id="38" name="Elipse 37"/>
+          <p:cNvSpPr/>
+          <p:nvPr/>
+        </p:nvSpPr>
+        <p:spPr>
+          <a:xfrm>
+            <a:off x="6470612" y="2241994"/>
+            <a:ext cx="45719" cy="81135"/>
+          </a:xfrm>
+          <a:prstGeom prst="ellipse">
+            <a:avLst/>
+          </a:prstGeom>
+          <a:solidFill>
+            <a:srgbClr val="A45E43"/>
+          </a:solidFill>
+        </p:spPr>
+        <p:style>
+          <a:lnRef idx="2">
+            <a:schemeClr val="dk1"/>
+          </a:lnRef>
+          <a:fillRef idx="1">
+            <a:schemeClr val="lt1"/>
+          </a:fillRef>
+          <a:effectRef idx="0">
+            <a:schemeClr val="dk1"/>
+          </a:effectRef>
+          <a:fontRef idx="minor">
+            <a:schemeClr val="dk1"/>
+          </a:fontRef>
+        </p:style>
+        <p:txBody>
+          <a:bodyPr rtlCol="0" anchor="ctr"/>
+          <a:lstStyle/>
+          <a:p>
+            <a:pPr algn="ctr"/>
+            <a:endParaRPr lang="pt-BR"/>
+          </a:p>
+        </p:txBody>
+      </p:sp>
+      <p:pic>
+        <p:nvPicPr>
+          <p:cNvPr id="73" name="Picture 6" descr="ícone laptop, computador">
+            <a:extLst>
+              <a:ext uri="{FF2B5EF4-FFF2-40B4-BE49-F238E27FC236}">
+                <a16:creationId xmlns:a16="http://schemas.microsoft.com/office/drawing/2014/main" id="{CE9C02B1-503D-427E-BD9E-CEE0194D22C9}"/>
+              </a:ext>
+            </a:extLst>
+          </p:cNvPr>
+          <p:cNvPicPr>
+            <a:picLocks noChangeAspect="1" noChangeArrowheads="1"/>
+          </p:cNvPicPr>
+          <p:nvPr/>
+        </p:nvPicPr>
+        <p:blipFill>
+          <a:blip r:embed="rId7">
+            <a:extLst>
+              <a:ext uri="{28A0092B-C50C-407E-A947-70E740481C1C}">
+                <a14:useLocalDpi xmlns:a14="http://schemas.microsoft.com/office/drawing/2010/main" val="0"/>
+              </a:ext>
+            </a:extLst>
+          </a:blip>
+          <a:srcRect/>
+          <a:stretch>
+            <a:fillRect/>
+          </a:stretch>
+        </p:blipFill>
+        <p:spPr bwMode="auto">
+          <a:xfrm>
+            <a:off x="3243126" y="3757960"/>
+            <a:ext cx="2526657" cy="1421246"/>
+          </a:xfrm>
+          <a:prstGeom prst="rect">
+            <a:avLst/>
+          </a:prstGeom>
+          <a:noFill/>
+          <a:extLst>
+            <a:ext uri="{909E8E84-426E-40DD-AFC4-6F175D3DCCD1}">
+              <a14:hiddenFill xmlns:a14="http://schemas.microsoft.com/office/drawing/2010/main">
+                <a:solidFill>
+                  <a:srgbClr val="FFFFFF"/>
+                </a:solidFill>
+              </a14:hiddenFill>
+            </a:ext>
+          </a:extLst>
+        </p:spPr>
+      </p:pic>
+      <p:pic>
+        <p:nvPicPr>
+          <p:cNvPr id="76" name="Picture 78" descr="Logo&#10;&#10;Description automatically generated">
+            <a:extLst>
+              <a:ext uri="{FF2B5EF4-FFF2-40B4-BE49-F238E27FC236}">
+                <a16:creationId xmlns:a16="http://schemas.microsoft.com/office/drawing/2014/main" id="{10B2324D-0C8F-4EBB-817B-F90A15FDA9AE}"/>
               </a:ext>
             </a:extLst>
           </p:cNvPr>
@@ -5084,7 +5348,7 @@
           <p:nvPr/>
         </p:nvPicPr>
         <p:blipFill>
-          <a:blip r:embed="rId10">
+          <a:blip r:embed="rId11" cstate="hqprint">
             <a:extLst>
               <a:ext uri="{28A0092B-C50C-407E-A947-70E740481C1C}">
                 <a14:useLocalDpi xmlns:a14="http://schemas.microsoft.com/office/drawing/2010/main" val="0"/>
@@ -5097,12 +5361,558 @@
         </p:blipFill>
         <p:spPr>
           <a:xfrm>
-            <a:off x="9523163" y="665130"/>
+            <a:off x="3448327" y="3854476"/>
             <a:ext cx="812075" cy="455664"/>
           </a:xfrm>
           <a:prstGeom prst="rect">
             <a:avLst/>
           </a:prstGeom>
+        </p:spPr>
+      </p:pic>
+      <p:pic>
+        <p:nvPicPr>
+          <p:cNvPr id="39" name="Imagem 38"/>
+          <p:cNvPicPr>
+            <a:picLocks noChangeAspect="1"/>
+          </p:cNvPicPr>
+          <p:nvPr/>
+        </p:nvPicPr>
+        <p:blipFill>
+          <a:blip r:embed="rId12"/>
+          <a:stretch>
+            <a:fillRect/>
+          </a:stretch>
+        </p:blipFill>
+        <p:spPr>
+          <a:xfrm>
+            <a:off x="6674705" y="313245"/>
+            <a:ext cx="1824237" cy="1085030"/>
+          </a:xfrm>
+          <a:prstGeom prst="rect">
+            <a:avLst/>
+          </a:prstGeom>
+        </p:spPr>
+      </p:pic>
+      <p:pic>
+        <p:nvPicPr>
+          <p:cNvPr id="55" name="Picture 21" descr="Icon&#10;&#10;Description automatically generated">
+            <a:extLst>
+              <a:ext uri="{FF2B5EF4-FFF2-40B4-BE49-F238E27FC236}">
+                <a16:creationId xmlns:a16="http://schemas.microsoft.com/office/drawing/2014/main" id="{34479ABD-E28D-4004-A3C0-3A50C5E8EC57}"/>
+              </a:ext>
+            </a:extLst>
+          </p:cNvPr>
+          <p:cNvPicPr>
+            <a:picLocks noChangeAspect="1"/>
+          </p:cNvPicPr>
+          <p:nvPr/>
+        </p:nvPicPr>
+        <p:blipFill rotWithShape="1">
+          <a:blip r:embed="rId8" cstate="hqprint">
+            <a:extLst>
+              <a:ext uri="{28A0092B-C50C-407E-A947-70E740481C1C}">
+                <a14:useLocalDpi xmlns:a14="http://schemas.microsoft.com/office/drawing/2010/main" val="0"/>
+              </a:ext>
+            </a:extLst>
+          </a:blip>
+          <a:srcRect l="56728" r="-1"/>
+          <a:stretch/>
+        </p:blipFill>
+        <p:spPr>
+          <a:xfrm>
+            <a:off x="6648366" y="4262997"/>
+            <a:ext cx="385604" cy="1292242"/>
+          </a:xfrm>
+          <a:prstGeom prst="rect">
+            <a:avLst/>
+          </a:prstGeom>
+        </p:spPr>
+      </p:pic>
+      <p:pic>
+        <p:nvPicPr>
+          <p:cNvPr id="56" name="Picture 70" descr="Icon&#10;&#10;Description automatically generated">
+            <a:extLst>
+              <a:ext uri="{FF2B5EF4-FFF2-40B4-BE49-F238E27FC236}">
+                <a16:creationId xmlns:a16="http://schemas.microsoft.com/office/drawing/2014/main" id="{07505C27-B8D2-4D52-AA6B-3203E1BDF7ED}"/>
+              </a:ext>
+            </a:extLst>
+          </p:cNvPr>
+          <p:cNvPicPr>
+            <a:picLocks noChangeAspect="1"/>
+          </p:cNvPicPr>
+          <p:nvPr/>
+        </p:nvPicPr>
+        <p:blipFill rotWithShape="1">
+          <a:blip r:embed="rId8" cstate="hqprint">
+            <a:extLst>
+              <a:ext uri="{28A0092B-C50C-407E-A947-70E740481C1C}">
+                <a14:useLocalDpi xmlns:a14="http://schemas.microsoft.com/office/drawing/2010/main" val="0"/>
+              </a:ext>
+            </a:extLst>
+          </a:blip>
+          <a:srcRect l="19775" t="6082" r="43918" b="56386"/>
+          <a:stretch/>
+        </p:blipFill>
+        <p:spPr>
+          <a:xfrm rot="12320263">
+            <a:off x="6862408" y="4690404"/>
+            <a:ext cx="323540" cy="484994"/>
+          </a:xfrm>
+          <a:prstGeom prst="rect">
+            <a:avLst/>
+          </a:prstGeom>
+        </p:spPr>
+      </p:pic>
+      <p:pic>
+        <p:nvPicPr>
+          <p:cNvPr id="58" name="Picture 70" descr="Icon&#10;&#10;Description automatically generated">
+            <a:extLst>
+              <a:ext uri="{FF2B5EF4-FFF2-40B4-BE49-F238E27FC236}">
+                <a16:creationId xmlns:a16="http://schemas.microsoft.com/office/drawing/2014/main" id="{07505C27-B8D2-4D52-AA6B-3203E1BDF7ED}"/>
+              </a:ext>
+            </a:extLst>
+          </p:cNvPr>
+          <p:cNvPicPr>
+            <a:picLocks noChangeAspect="1"/>
+          </p:cNvPicPr>
+          <p:nvPr/>
+        </p:nvPicPr>
+        <p:blipFill rotWithShape="1">
+          <a:blip r:embed="rId8" cstate="hqprint">
+            <a:extLst>
+              <a:ext uri="{28A0092B-C50C-407E-A947-70E740481C1C}">
+                <a14:useLocalDpi xmlns:a14="http://schemas.microsoft.com/office/drawing/2010/main" val="0"/>
+              </a:ext>
+            </a:extLst>
+          </a:blip>
+          <a:srcRect l="19775" t="6082" r="43918" b="56386"/>
+          <a:stretch/>
+        </p:blipFill>
+        <p:spPr>
+          <a:xfrm rot="21142284">
+            <a:off x="6308842" y="4355771"/>
+            <a:ext cx="323540" cy="484994"/>
+          </a:xfrm>
+          <a:prstGeom prst="rect">
+            <a:avLst/>
+          </a:prstGeom>
+        </p:spPr>
+      </p:pic>
+      <p:pic>
+        <p:nvPicPr>
+          <p:cNvPr id="61" name="Picture 10" descr="ícone seta para baixo">
+            <a:extLst>
+              <a:ext uri="{FF2B5EF4-FFF2-40B4-BE49-F238E27FC236}">
+                <a16:creationId xmlns:a16="http://schemas.microsoft.com/office/drawing/2014/main" id="{2D08269D-6EAE-4253-87C3-A2B4618D21FF}"/>
+              </a:ext>
+            </a:extLst>
+          </p:cNvPr>
+          <p:cNvPicPr>
+            <a:picLocks noChangeAspect="1" noChangeArrowheads="1"/>
+          </p:cNvPicPr>
+          <p:nvPr/>
+        </p:nvPicPr>
+        <p:blipFill>
+          <a:blip r:embed="rId3" cstate="hqprint">
+            <a:extLst>
+              <a:ext uri="{28A0092B-C50C-407E-A947-70E740481C1C}">
+                <a14:useLocalDpi xmlns:a14="http://schemas.microsoft.com/office/drawing/2010/main" val="0"/>
+              </a:ext>
+            </a:extLst>
+          </a:blip>
+          <a:srcRect/>
+          <a:stretch>
+            <a:fillRect/>
+          </a:stretch>
+        </p:blipFill>
+        <p:spPr bwMode="auto">
+          <a:xfrm rot="16200000">
+            <a:off x="7232594" y="4773387"/>
+            <a:ext cx="305240" cy="305240"/>
+          </a:xfrm>
+          <a:prstGeom prst="rect">
+            <a:avLst/>
+          </a:prstGeom>
+          <a:noFill/>
+          <a:extLst>
+            <a:ext uri="{909E8E84-426E-40DD-AFC4-6F175D3DCCD1}">
+              <a14:hiddenFill xmlns:a14="http://schemas.microsoft.com/office/drawing/2010/main">
+                <a:solidFill>
+                  <a:srgbClr val="FFFFFF"/>
+                </a:solidFill>
+              </a14:hiddenFill>
+            </a:ext>
+          </a:extLst>
+        </p:spPr>
+      </p:pic>
+      <p:pic>
+        <p:nvPicPr>
+          <p:cNvPr id="65" name="Picture 6" descr="ícone laptop, computador">
+            <a:extLst>
+              <a:ext uri="{FF2B5EF4-FFF2-40B4-BE49-F238E27FC236}">
+                <a16:creationId xmlns:a16="http://schemas.microsoft.com/office/drawing/2014/main" id="{671C8ED9-8475-4668-A7E9-EA332ACF13F4}"/>
+              </a:ext>
+            </a:extLst>
+          </p:cNvPr>
+          <p:cNvPicPr>
+            <a:picLocks noChangeAspect="1" noChangeArrowheads="1"/>
+          </p:cNvPicPr>
+          <p:nvPr/>
+        </p:nvPicPr>
+        <p:blipFill>
+          <a:blip r:embed="rId13" cstate="hqprint">
+            <a:extLst>
+              <a:ext uri="{28A0092B-C50C-407E-A947-70E740481C1C}">
+                <a14:useLocalDpi xmlns:a14="http://schemas.microsoft.com/office/drawing/2010/main" val="0"/>
+              </a:ext>
+            </a:extLst>
+          </a:blip>
+          <a:srcRect/>
+          <a:stretch>
+            <a:fillRect/>
+          </a:stretch>
+        </p:blipFill>
+        <p:spPr bwMode="auto">
+          <a:xfrm>
+            <a:off x="7618389" y="4582326"/>
+            <a:ext cx="1161924" cy="653583"/>
+          </a:xfrm>
+          <a:prstGeom prst="rect">
+            <a:avLst/>
+          </a:prstGeom>
+          <a:noFill/>
+          <a:extLst>
+            <a:ext uri="{909E8E84-426E-40DD-AFC4-6F175D3DCCD1}">
+              <a14:hiddenFill xmlns:a14="http://schemas.microsoft.com/office/drawing/2010/main">
+                <a:solidFill>
+                  <a:srgbClr val="FFFFFF"/>
+                </a:solidFill>
+              </a14:hiddenFill>
+            </a:ext>
+          </a:extLst>
+        </p:spPr>
+      </p:pic>
+      <p:sp>
+        <p:nvSpPr>
+          <p:cNvPr id="66" name="Retângulo 65">
+            <a:extLst>
+              <a:ext uri="{FF2B5EF4-FFF2-40B4-BE49-F238E27FC236}">
+                <a16:creationId xmlns:a16="http://schemas.microsoft.com/office/drawing/2014/main" id="{32991022-2564-4352-AF49-53D117439650}"/>
+              </a:ext>
+            </a:extLst>
+          </p:cNvPr>
+          <p:cNvSpPr/>
+          <p:nvPr/>
+        </p:nvSpPr>
+        <p:spPr>
+          <a:xfrm>
+            <a:off x="6224937" y="5907739"/>
+            <a:ext cx="2693164" cy="461665"/>
+          </a:xfrm>
+          <a:prstGeom prst="rect">
+            <a:avLst/>
+          </a:prstGeom>
+        </p:spPr>
+        <p:txBody>
+          <a:bodyPr wrap="square">
+            <a:spAutoFit/>
+          </a:bodyPr>
+          <a:lstStyle/>
+          <a:p>
+            <a:pPr algn="ctr"/>
+            <a:r>
+              <a:rPr lang="pt-BR" sz="1200" dirty="0" smtClean="0">
+                <a:latin typeface="+mj-lt"/>
+                <a:cs typeface="Arial" panose="020B0604020202020204" pitchFamily="34" charset="0"/>
+              </a:rPr>
+              <a:t>Depois dessas atividades, o Juliano já esta pronto pra aproveitar o </a:t>
+            </a:r>
+            <a:r>
+              <a:rPr lang="pt-BR" sz="1200" dirty="0" err="1" smtClean="0">
+                <a:latin typeface="+mj-lt"/>
+                <a:cs typeface="Arial" panose="020B0604020202020204" pitchFamily="34" charset="0"/>
+              </a:rPr>
+              <a:t>My</a:t>
+            </a:r>
+            <a:r>
+              <a:rPr lang="pt-BR" sz="1200" dirty="0" smtClean="0">
+                <a:latin typeface="+mj-lt"/>
+                <a:cs typeface="Arial" panose="020B0604020202020204" pitchFamily="34" charset="0"/>
+              </a:rPr>
+              <a:t> Health.</a:t>
+            </a:r>
+            <a:endParaRPr lang="pt-BR" sz="1200" dirty="0">
+              <a:latin typeface="+mj-lt"/>
+              <a:cs typeface="Arial" panose="020B0604020202020204" pitchFamily="34" charset="0"/>
+            </a:endParaRPr>
+          </a:p>
+        </p:txBody>
+      </p:sp>
+      <p:pic>
+        <p:nvPicPr>
+          <p:cNvPr id="68" name="Picture 78" descr="Logo&#10;&#10;Description automatically generated">
+            <a:extLst>
+              <a:ext uri="{FF2B5EF4-FFF2-40B4-BE49-F238E27FC236}">
+                <a16:creationId xmlns:a16="http://schemas.microsoft.com/office/drawing/2014/main" id="{10B2324D-0C8F-4EBB-817B-F90A15FDA9AE}"/>
+              </a:ext>
+            </a:extLst>
+          </p:cNvPr>
+          <p:cNvPicPr>
+            <a:picLocks noChangeAspect="1"/>
+          </p:cNvPicPr>
+          <p:nvPr/>
+        </p:nvPicPr>
+        <p:blipFill>
+          <a:blip r:embed="rId11" cstate="hqprint">
+            <a:extLst>
+              <a:ext uri="{28A0092B-C50C-407E-A947-70E740481C1C}">
+                <a14:useLocalDpi xmlns:a14="http://schemas.microsoft.com/office/drawing/2010/main" val="0"/>
+              </a:ext>
+            </a:extLst>
+          </a:blip>
+          <a:stretch>
+            <a:fillRect/>
+          </a:stretch>
+        </p:blipFill>
+        <p:spPr>
+          <a:xfrm>
+            <a:off x="7787759" y="4655623"/>
+            <a:ext cx="812075" cy="455664"/>
+          </a:xfrm>
+          <a:prstGeom prst="rect">
+            <a:avLst/>
+          </a:prstGeom>
+        </p:spPr>
+      </p:pic>
+      <p:pic>
+        <p:nvPicPr>
+          <p:cNvPr id="2" name="Imagem 1"/>
+          <p:cNvPicPr>
+            <a:picLocks noChangeAspect="1"/>
+          </p:cNvPicPr>
+          <p:nvPr/>
+        </p:nvPicPr>
+        <p:blipFill rotWithShape="1">
+          <a:blip r:embed="rId14"/>
+          <a:srcRect l="11109" t="3100" b="1909"/>
+          <a:stretch/>
+        </p:blipFill>
+        <p:spPr>
+          <a:xfrm>
+            <a:off x="10993104" y="4301922"/>
+            <a:ext cx="839189" cy="709995"/>
+          </a:xfrm>
+          <a:prstGeom prst="rect">
+            <a:avLst/>
+          </a:prstGeom>
+        </p:spPr>
+      </p:pic>
+      <p:pic>
+        <p:nvPicPr>
+          <p:cNvPr id="77" name="Picture 21" descr="Icon&#10;&#10;Description automatically generated">
+            <a:extLst>
+              <a:ext uri="{FF2B5EF4-FFF2-40B4-BE49-F238E27FC236}">
+                <a16:creationId xmlns:a16="http://schemas.microsoft.com/office/drawing/2014/main" id="{34479ABD-E28D-4004-A3C0-3A50C5E8EC57}"/>
+              </a:ext>
+            </a:extLst>
+          </p:cNvPr>
+          <p:cNvPicPr>
+            <a:picLocks noChangeAspect="1"/>
+          </p:cNvPicPr>
+          <p:nvPr/>
+        </p:nvPicPr>
+        <p:blipFill rotWithShape="1">
+          <a:blip r:embed="rId8" cstate="hqprint">
+            <a:extLst>
+              <a:ext uri="{28A0092B-C50C-407E-A947-70E740481C1C}">
+                <a14:useLocalDpi xmlns:a14="http://schemas.microsoft.com/office/drawing/2010/main" val="0"/>
+              </a:ext>
+            </a:extLst>
+          </a:blip>
+          <a:srcRect l="56728" r="-1"/>
+          <a:stretch/>
+        </p:blipFill>
+        <p:spPr>
+          <a:xfrm>
+            <a:off x="9690345" y="4240690"/>
+            <a:ext cx="385604" cy="1292242"/>
+          </a:xfrm>
+          <a:prstGeom prst="rect">
+            <a:avLst/>
+          </a:prstGeom>
+        </p:spPr>
+      </p:pic>
+      <p:pic>
+        <p:nvPicPr>
+          <p:cNvPr id="78" name="Picture 70" descr="Icon&#10;&#10;Description automatically generated">
+            <a:extLst>
+              <a:ext uri="{FF2B5EF4-FFF2-40B4-BE49-F238E27FC236}">
+                <a16:creationId xmlns:a16="http://schemas.microsoft.com/office/drawing/2014/main" id="{07505C27-B8D2-4D52-AA6B-3203E1BDF7ED}"/>
+              </a:ext>
+            </a:extLst>
+          </p:cNvPr>
+          <p:cNvPicPr>
+            <a:picLocks noChangeAspect="1"/>
+          </p:cNvPicPr>
+          <p:nvPr/>
+        </p:nvPicPr>
+        <p:blipFill rotWithShape="1">
+          <a:blip r:embed="rId8" cstate="hqprint">
+            <a:extLst>
+              <a:ext uri="{28A0092B-C50C-407E-A947-70E740481C1C}">
+                <a14:useLocalDpi xmlns:a14="http://schemas.microsoft.com/office/drawing/2010/main" val="0"/>
+              </a:ext>
+            </a:extLst>
+          </a:blip>
+          <a:srcRect l="19775" t="6082" r="44680" b="61101"/>
+          <a:stretch/>
+        </p:blipFill>
+        <p:spPr>
+          <a:xfrm rot="15979375">
+            <a:off x="9886845" y="4410591"/>
+            <a:ext cx="316751" cy="424064"/>
+          </a:xfrm>
+          <a:prstGeom prst="rect">
+            <a:avLst/>
+          </a:prstGeom>
+        </p:spPr>
+      </p:pic>
+      <p:pic>
+        <p:nvPicPr>
+          <p:cNvPr id="81" name="Picture 70" descr="Icon&#10;&#10;Description automatically generated">
+            <a:extLst>
+              <a:ext uri="{FF2B5EF4-FFF2-40B4-BE49-F238E27FC236}">
+                <a16:creationId xmlns:a16="http://schemas.microsoft.com/office/drawing/2014/main" id="{07505C27-B8D2-4D52-AA6B-3203E1BDF7ED}"/>
+              </a:ext>
+            </a:extLst>
+          </p:cNvPr>
+          <p:cNvPicPr>
+            <a:picLocks noChangeAspect="1"/>
+          </p:cNvPicPr>
+          <p:nvPr/>
+        </p:nvPicPr>
+        <p:blipFill rotWithShape="1">
+          <a:blip r:embed="rId8" cstate="hqprint">
+            <a:extLst>
+              <a:ext uri="{28A0092B-C50C-407E-A947-70E740481C1C}">
+                <a14:useLocalDpi xmlns:a14="http://schemas.microsoft.com/office/drawing/2010/main" val="0"/>
+              </a:ext>
+            </a:extLst>
+          </a:blip>
+          <a:srcRect l="19775" t="6082" r="43918" b="56386"/>
+          <a:stretch/>
+        </p:blipFill>
+        <p:spPr>
+          <a:xfrm rot="21142284">
+            <a:off x="9363633" y="4306747"/>
+            <a:ext cx="323540" cy="484994"/>
+          </a:xfrm>
+          <a:prstGeom prst="rect">
+            <a:avLst/>
+          </a:prstGeom>
+        </p:spPr>
+      </p:pic>
+      <p:sp>
+        <p:nvSpPr>
+          <p:cNvPr id="82" name="Retângulo 81">
+            <a:extLst>
+              <a:ext uri="{FF2B5EF4-FFF2-40B4-BE49-F238E27FC236}">
+                <a16:creationId xmlns:a16="http://schemas.microsoft.com/office/drawing/2014/main" id="{32991022-2564-4352-AF49-53D117439650}"/>
+              </a:ext>
+            </a:extLst>
+          </p:cNvPr>
+          <p:cNvSpPr/>
+          <p:nvPr/>
+        </p:nvSpPr>
+        <p:spPr>
+          <a:xfrm>
+            <a:off x="9118818" y="5832140"/>
+            <a:ext cx="2955427" cy="646331"/>
+          </a:xfrm>
+          <a:prstGeom prst="rect">
+            <a:avLst/>
+          </a:prstGeom>
+        </p:spPr>
+        <p:txBody>
+          <a:bodyPr wrap="square">
+            <a:spAutoFit/>
+          </a:bodyPr>
+          <a:lstStyle/>
+          <a:p>
+            <a:pPr algn="ctr"/>
+            <a:r>
+              <a:rPr lang="pt-BR" sz="1200" dirty="0" smtClean="0">
+                <a:latin typeface="+mj-lt"/>
+                <a:cs typeface="Arial" panose="020B0604020202020204" pitchFamily="34" charset="0"/>
+              </a:rPr>
+              <a:t>Dessa maneira Juliano observa a sua evolução, e fica cada vez mais satisfeito com </a:t>
+            </a:r>
+            <a:r>
+              <a:rPr lang="pt-BR" sz="1200" dirty="0" err="1" smtClean="0">
+                <a:latin typeface="+mj-lt"/>
+                <a:cs typeface="Arial" panose="020B0604020202020204" pitchFamily="34" charset="0"/>
+              </a:rPr>
+              <a:t>My</a:t>
+            </a:r>
+            <a:r>
+              <a:rPr lang="pt-BR" sz="1200" dirty="0" smtClean="0">
+                <a:latin typeface="+mj-lt"/>
+                <a:cs typeface="Arial" panose="020B0604020202020204" pitchFamily="34" charset="0"/>
+              </a:rPr>
+              <a:t> Health. Indicando assim, para os amigos.</a:t>
+            </a:r>
+            <a:endParaRPr lang="pt-BR" sz="1200" dirty="0">
+              <a:latin typeface="+mj-lt"/>
+              <a:cs typeface="Arial" panose="020B0604020202020204" pitchFamily="34" charset="0"/>
+            </a:endParaRPr>
+          </a:p>
+        </p:txBody>
+      </p:sp>
+      <p:pic>
+        <p:nvPicPr>
+          <p:cNvPr id="83" name="Picture 10" descr="ícone seta para baixo">
+            <a:extLst>
+              <a:ext uri="{FF2B5EF4-FFF2-40B4-BE49-F238E27FC236}">
+                <a16:creationId xmlns:a16="http://schemas.microsoft.com/office/drawing/2014/main" id="{2D08269D-6EAE-4253-87C3-A2B4618D21FF}"/>
+              </a:ext>
+            </a:extLst>
+          </p:cNvPr>
+          <p:cNvPicPr>
+            <a:picLocks noChangeAspect="1" noChangeArrowheads="1"/>
+          </p:cNvPicPr>
+          <p:nvPr/>
+        </p:nvPicPr>
+        <p:blipFill>
+          <a:blip r:embed="rId3" cstate="hqprint">
+            <a:extLst>
+              <a:ext uri="{28A0092B-C50C-407E-A947-70E740481C1C}">
+                <a14:useLocalDpi xmlns:a14="http://schemas.microsoft.com/office/drawing/2010/main" val="0"/>
+              </a:ext>
+            </a:extLst>
+          </a:blip>
+          <a:srcRect/>
+          <a:stretch>
+            <a:fillRect/>
+          </a:stretch>
+        </p:blipFill>
+        <p:spPr bwMode="auto">
+          <a:xfrm rot="16200000">
+            <a:off x="10436108" y="4730835"/>
+            <a:ext cx="305240" cy="305240"/>
+          </a:xfrm>
+          <a:prstGeom prst="rect">
+            <a:avLst/>
+          </a:prstGeom>
+          <a:noFill/>
+          <a:extLst>
+            <a:ext uri="{909E8E84-426E-40DD-AFC4-6F175D3DCCD1}">
+              <a14:hiddenFill xmlns:a14="http://schemas.microsoft.com/office/drawing/2010/main">
+                <a:solidFill>
+                  <a:srgbClr val="FFFFFF"/>
+                </a:solidFill>
+              </a14:hiddenFill>
+            </a:ext>
+          </a:extLst>
         </p:spPr>
       </p:pic>
     </p:spTree>

--- a/Documentação/Documentação_Teorica/StoryboardMH.pptx
+++ b/Documentação/Documentação_Teorica/StoryboardMH.pptx
@@ -261,7 +261,7 @@
           <a:p>
             <a:fld id="{87A13D2C-C5AF-44AB-9DAE-EFA79061354C}" type="datetimeFigureOut">
               <a:rPr lang="en-US" smtClean="0"/>
-              <a:t>3/8/2021</a:t>
+              <a:t>3/10/2021</a:t>
             </a:fld>
             <a:endParaRPr lang="en-US"/>
           </a:p>
@@ -461,7 +461,7 @@
           <a:p>
             <a:fld id="{87A13D2C-C5AF-44AB-9DAE-EFA79061354C}" type="datetimeFigureOut">
               <a:rPr lang="en-US" smtClean="0"/>
-              <a:t>3/8/2021</a:t>
+              <a:t>3/10/2021</a:t>
             </a:fld>
             <a:endParaRPr lang="en-US"/>
           </a:p>
@@ -671,7 +671,7 @@
           <a:p>
             <a:fld id="{87A13D2C-C5AF-44AB-9DAE-EFA79061354C}" type="datetimeFigureOut">
               <a:rPr lang="en-US" smtClean="0"/>
-              <a:t>3/8/2021</a:t>
+              <a:t>3/10/2021</a:t>
             </a:fld>
             <a:endParaRPr lang="en-US"/>
           </a:p>
@@ -871,7 +871,7 @@
           <a:p>
             <a:fld id="{87A13D2C-C5AF-44AB-9DAE-EFA79061354C}" type="datetimeFigureOut">
               <a:rPr lang="en-US" smtClean="0"/>
-              <a:t>3/8/2021</a:t>
+              <a:t>3/10/2021</a:t>
             </a:fld>
             <a:endParaRPr lang="en-US"/>
           </a:p>
@@ -1147,7 +1147,7 @@
           <a:p>
             <a:fld id="{87A13D2C-C5AF-44AB-9DAE-EFA79061354C}" type="datetimeFigureOut">
               <a:rPr lang="en-US" smtClean="0"/>
-              <a:t>3/8/2021</a:t>
+              <a:t>3/10/2021</a:t>
             </a:fld>
             <a:endParaRPr lang="en-US"/>
           </a:p>
@@ -1415,7 +1415,7 @@
           <a:p>
             <a:fld id="{87A13D2C-C5AF-44AB-9DAE-EFA79061354C}" type="datetimeFigureOut">
               <a:rPr lang="en-US" smtClean="0"/>
-              <a:t>3/8/2021</a:t>
+              <a:t>3/10/2021</a:t>
             </a:fld>
             <a:endParaRPr lang="en-US"/>
           </a:p>
@@ -1830,7 +1830,7 @@
           <a:p>
             <a:fld id="{87A13D2C-C5AF-44AB-9DAE-EFA79061354C}" type="datetimeFigureOut">
               <a:rPr lang="en-US" smtClean="0"/>
-              <a:t>3/8/2021</a:t>
+              <a:t>3/10/2021</a:t>
             </a:fld>
             <a:endParaRPr lang="en-US"/>
           </a:p>
@@ -1972,7 +1972,7 @@
           <a:p>
             <a:fld id="{87A13D2C-C5AF-44AB-9DAE-EFA79061354C}" type="datetimeFigureOut">
               <a:rPr lang="en-US" smtClean="0"/>
-              <a:t>3/8/2021</a:t>
+              <a:t>3/10/2021</a:t>
             </a:fld>
             <a:endParaRPr lang="en-US"/>
           </a:p>
@@ -2085,7 +2085,7 @@
           <a:p>
             <a:fld id="{87A13D2C-C5AF-44AB-9DAE-EFA79061354C}" type="datetimeFigureOut">
               <a:rPr lang="en-US" smtClean="0"/>
-              <a:t>3/8/2021</a:t>
+              <a:t>3/10/2021</a:t>
             </a:fld>
             <a:endParaRPr lang="en-US"/>
           </a:p>
@@ -2398,7 +2398,7 @@
           <a:p>
             <a:fld id="{87A13D2C-C5AF-44AB-9DAE-EFA79061354C}" type="datetimeFigureOut">
               <a:rPr lang="en-US" smtClean="0"/>
-              <a:t>3/8/2021</a:t>
+              <a:t>3/10/2021</a:t>
             </a:fld>
             <a:endParaRPr lang="en-US"/>
           </a:p>
@@ -2687,7 +2687,7 @@
           <a:p>
             <a:fld id="{87A13D2C-C5AF-44AB-9DAE-EFA79061354C}" type="datetimeFigureOut">
               <a:rPr lang="en-US" smtClean="0"/>
-              <a:t>3/8/2021</a:t>
+              <a:t>3/10/2021</a:t>
             </a:fld>
             <a:endParaRPr lang="en-US"/>
           </a:p>
@@ -2930,7 +2930,7 @@
           <a:p>
             <a:fld id="{87A13D2C-C5AF-44AB-9DAE-EFA79061354C}" type="datetimeFigureOut">
               <a:rPr lang="en-US" smtClean="0"/>
-              <a:t>3/8/2021</a:t>
+              <a:t>3/10/2021</a:t>
             </a:fld>
             <a:endParaRPr lang="en-US"/>
           </a:p>
@@ -3368,6 +3368,11 @@
             <a:avLst/>
           </a:prstGeom>
           <a:noFill/>
+          <a:ln w="38100">
+            <a:solidFill>
+              <a:srgbClr val="11BD5D"/>
+            </a:solidFill>
+          </a:ln>
         </p:spPr>
         <p:style>
           <a:lnRef idx="2">
@@ -3414,6 +3419,11 @@
           <a:prstGeom prst="rect">
             <a:avLst/>
           </a:prstGeom>
+          <a:ln w="38100">
+            <a:solidFill>
+              <a:srgbClr val="11BD5D"/>
+            </a:solidFill>
+          </a:ln>
         </p:spPr>
         <p:style>
           <a:lnRef idx="2">
@@ -3458,6 +3468,11 @@
           <a:prstGeom prst="rect">
             <a:avLst/>
           </a:prstGeom>
+          <a:ln w="38100">
+            <a:solidFill>
+              <a:srgbClr val="11BD5D"/>
+            </a:solidFill>
+          </a:ln>
         </p:spPr>
         <p:style>
           <a:lnRef idx="2">
@@ -3502,6 +3517,11 @@
           <a:prstGeom prst="rect">
             <a:avLst/>
           </a:prstGeom>
+          <a:ln w="38100">
+            <a:solidFill>
+              <a:srgbClr val="11BD5D"/>
+            </a:solidFill>
+          </a:ln>
         </p:spPr>
         <p:style>
           <a:lnRef idx="2">
@@ -3546,6 +3566,11 @@
           <a:prstGeom prst="rect">
             <a:avLst/>
           </a:prstGeom>
+          <a:ln w="38100">
+            <a:solidFill>
+              <a:srgbClr val="11BD5D"/>
+            </a:solidFill>
+          </a:ln>
         </p:spPr>
         <p:style>
           <a:lnRef idx="2">
@@ -3590,6 +3615,11 @@
           <a:prstGeom prst="rect">
             <a:avLst/>
           </a:prstGeom>
+          <a:ln w="38100">
+            <a:solidFill>
+              <a:srgbClr val="11BD5D"/>
+            </a:solidFill>
+          </a:ln>
         </p:spPr>
         <p:style>
           <a:lnRef idx="2">
@@ -3634,6 +3664,11 @@
           <a:prstGeom prst="rect">
             <a:avLst/>
           </a:prstGeom>
+          <a:ln w="38100">
+            <a:solidFill>
+              <a:srgbClr val="11BD5D"/>
+            </a:solidFill>
+          </a:ln>
         </p:spPr>
         <p:style>
           <a:lnRef idx="2">
@@ -3678,6 +3713,11 @@
           <a:prstGeom prst="rect">
             <a:avLst/>
           </a:prstGeom>
+          <a:ln w="38100">
+            <a:solidFill>
+              <a:srgbClr val="11BD5D"/>
+            </a:solidFill>
+          </a:ln>
         </p:spPr>
         <p:style>
           <a:lnRef idx="2">
@@ -3898,7 +3938,7 @@
                 <a14:useLocalDpi xmlns:a14="http://schemas.microsoft.com/office/drawing/2010/main" val="0"/>
               </a:ext>
               <a:ext uri="{96DAC541-7B7A-43D3-8B79-37D633B846F1}">
-                <asvg:svgBlip xmlns="" xmlns:asvg="http://schemas.microsoft.com/office/drawing/2016/SVG/main" r:embed="rId6"/>
+                <asvg:svgBlip xmlns:asvg="http://schemas.microsoft.com/office/drawing/2016/SVG/main" r:embed="rId6"/>
               </a:ext>
             </a:extLst>
           </a:blip>
@@ -3982,68 +4022,36 @@
           <a:p>
             <a:pPr algn="ctr"/>
             <a:r>
-              <a:rPr lang="pt-BR" sz="1200" dirty="0" smtClean="0">
+              <a:rPr lang="pt-BR" sz="1200" b="1" dirty="0">
                 <a:latin typeface="+mj-lt"/>
                 <a:cs typeface="Arial" panose="020B0604020202020204" pitchFamily="34" charset="0"/>
               </a:rPr>
-              <a:t>Juliano está muito frustrado com a </a:t>
-            </a:r>
-            <a:r>
-              <a:rPr lang="pt-BR" sz="1200" dirty="0" smtClean="0">
+              <a:t>Juliano está muito frustrado com a sua</a:t>
+            </a:r>
+          </a:p>
+          <a:p>
+            <a:pPr algn="ctr"/>
+            <a:r>
+              <a:rPr lang="pt-BR" sz="1200" b="1" dirty="0">
                 <a:latin typeface="+mj-lt"/>
                 <a:cs typeface="Arial" panose="020B0604020202020204" pitchFamily="34" charset="0"/>
               </a:rPr>
-              <a:t>sua</a:t>
-            </a:r>
-          </a:p>
-          <a:p>
-            <a:pPr algn="ctr"/>
-            <a:r>
-              <a:rPr lang="pt-BR" sz="1200" dirty="0" smtClean="0">
-                <a:latin typeface="+mj-lt"/>
-                <a:cs typeface="Arial" panose="020B0604020202020204" pitchFamily="34" charset="0"/>
-              </a:rPr>
-              <a:t> forma de </a:t>
-            </a:r>
-            <a:r>
-              <a:rPr lang="pt-BR" sz="1200" dirty="0" smtClean="0">
-                <a:latin typeface="+mj-lt"/>
-                <a:cs typeface="Arial" panose="020B0604020202020204" pitchFamily="34" charset="0"/>
-              </a:rPr>
-              <a:t>alimentação, e para ajudar lhe indicaram </a:t>
-            </a:r>
-            <a:r>
-              <a:rPr lang="pt-BR" sz="1200" dirty="0" smtClean="0">
-                <a:latin typeface="+mj-lt"/>
-                <a:cs typeface="Arial" panose="020B0604020202020204" pitchFamily="34" charset="0"/>
-              </a:rPr>
-              <a:t>o </a:t>
-            </a:r>
-            <a:r>
-              <a:rPr lang="pt-BR" sz="1200" dirty="0" err="1" smtClean="0">
+              <a:t> forma de alimentação, e para ajudar lhe indicaram o </a:t>
+            </a:r>
+            <a:r>
+              <a:rPr lang="pt-BR" sz="1200" b="1" dirty="0" err="1">
                 <a:latin typeface="+mj-lt"/>
                 <a:cs typeface="Arial" panose="020B0604020202020204" pitchFamily="34" charset="0"/>
               </a:rPr>
               <a:t>My</a:t>
             </a:r>
             <a:r>
-              <a:rPr lang="pt-BR" sz="1200" dirty="0" smtClean="0">
+              <a:rPr lang="pt-BR" sz="1200" b="1" dirty="0">
                 <a:latin typeface="+mj-lt"/>
                 <a:cs typeface="Arial" panose="020B0604020202020204" pitchFamily="34" charset="0"/>
               </a:rPr>
-              <a:t> </a:t>
-            </a:r>
-            <a:r>
-              <a:rPr lang="pt-BR" sz="1200" dirty="0" smtClean="0">
-                <a:latin typeface="+mj-lt"/>
-                <a:cs typeface="Arial" panose="020B0604020202020204" pitchFamily="34" charset="0"/>
-              </a:rPr>
-              <a:t>Health.</a:t>
-            </a:r>
-            <a:endParaRPr lang="pt-BR" sz="1200" dirty="0">
-              <a:latin typeface="+mj-lt"/>
-              <a:cs typeface="Arial" panose="020B0604020202020204" pitchFamily="34" charset="0"/>
-            </a:endParaRPr>
+              <a:t> Health.</a:t>
+            </a:r>
           </a:p>
         </p:txBody>
       </p:sp>
@@ -4112,13 +4120,13 @@
           <a:p>
             <a:pPr algn="ctr"/>
             <a:r>
-              <a:rPr lang="pt-BR" sz="1200" dirty="0">
+              <a:rPr lang="pt-BR" sz="1200" b="1" dirty="0">
                 <a:latin typeface="+mj-lt"/>
                 <a:cs typeface="Arial" panose="020B0604020202020204" pitchFamily="34" charset="0"/>
               </a:rPr>
               <a:t>Ele então acessa o site, após breve análise percebe que era exatamente o que procurava, então  se cadastra.</a:t>
             </a:r>
-            <a:endParaRPr lang="en-US" sz="1200" dirty="0">
+            <a:endParaRPr lang="en-US" sz="1200" b="1" dirty="0">
               <a:latin typeface="+mj-lt"/>
               <a:cs typeface="Arial" panose="020B0604020202020204" pitchFamily="34" charset="0"/>
             </a:endParaRPr>
@@ -4146,7 +4154,7 @@
                 <a14:useLocalDpi xmlns:a14="http://schemas.microsoft.com/office/drawing/2010/main" val="0"/>
               </a:ext>
               <a:ext uri="{96DAC541-7B7A-43D3-8B79-37D633B846F1}">
-                <asvg:svgBlip xmlns="" xmlns:asvg="http://schemas.microsoft.com/office/drawing/2016/SVG/main" r:embed="rId6"/>
+                <asvg:svgBlip xmlns:asvg="http://schemas.microsoft.com/office/drawing/2016/SVG/main" r:embed="rId6"/>
               </a:ext>
             </a:extLst>
           </a:blip>
@@ -4262,7 +4270,7 @@
         <p:spPr>
           <a:xfrm>
             <a:off x="6189925" y="2505481"/>
-            <a:ext cx="2714920" cy="646331"/>
+            <a:ext cx="2693196" cy="646331"/>
           </a:xfrm>
           <a:prstGeom prst="rect">
             <a:avLst/>
@@ -4276,7 +4284,7 @@
           <a:p>
             <a:pPr algn="ctr"/>
             <a:r>
-              <a:rPr lang="pt-BR" sz="1200" dirty="0">
+              <a:rPr lang="pt-BR" sz="1200" b="1" dirty="0">
                 <a:latin typeface="+mj-lt"/>
                 <a:cs typeface="Arial" panose="020B0604020202020204" pitchFamily="34" charset="0"/>
               </a:rPr>
@@ -4286,7 +4294,7 @@
           <a:p>
             <a:pPr algn="ctr"/>
             <a:r>
-              <a:rPr lang="pt-BR" sz="1200" dirty="0">
+              <a:rPr lang="pt-BR" sz="1200" b="1" dirty="0">
                 <a:latin typeface="+mj-lt"/>
                 <a:cs typeface="Arial" panose="020B0604020202020204" pitchFamily="34" charset="0"/>
               </a:rPr>
@@ -4392,8 +4400,8 @@
         </p:nvSpPr>
         <p:spPr>
           <a:xfrm>
-            <a:off x="9208189" y="2524048"/>
-            <a:ext cx="2809307" cy="646331"/>
+            <a:off x="9208190" y="2524048"/>
+            <a:ext cx="2786828" cy="646331"/>
           </a:xfrm>
           <a:prstGeom prst="rect">
             <a:avLst/>
@@ -4407,60 +4415,21 @@
           <a:p>
             <a:pPr algn="ctr"/>
             <a:r>
-              <a:rPr lang="pt-BR" sz="1200" dirty="0">
+              <a:rPr lang="pt-BR" sz="1200" b="1" dirty="0">
                 <a:latin typeface="+mj-lt"/>
                 <a:cs typeface="Arial" panose="020B0604020202020204" pitchFamily="34" charset="0"/>
               </a:rPr>
               <a:t>Então o próximo passo de Juliano é, entrar </a:t>
             </a:r>
-            <a:endParaRPr lang="pt-BR" sz="1200" dirty="0" smtClean="0">
-              <a:latin typeface="+mj-lt"/>
-              <a:cs typeface="Arial" panose="020B0604020202020204" pitchFamily="34" charset="0"/>
-            </a:endParaRPr>
           </a:p>
           <a:p>
             <a:pPr algn="ctr"/>
             <a:r>
-              <a:rPr lang="pt-BR" sz="1200" dirty="0" smtClean="0">
+              <a:rPr lang="pt-BR" sz="1200" b="1" dirty="0">
                 <a:latin typeface="+mj-lt"/>
                 <a:cs typeface="Arial" panose="020B0604020202020204" pitchFamily="34" charset="0"/>
               </a:rPr>
-              <a:t>no seu </a:t>
-            </a:r>
-            <a:r>
-              <a:rPr lang="pt-BR" sz="1200" dirty="0">
-                <a:latin typeface="+mj-lt"/>
-                <a:cs typeface="Arial" panose="020B0604020202020204" pitchFamily="34" charset="0"/>
-              </a:rPr>
-              <a:t>perfil e </a:t>
-            </a:r>
-            <a:r>
-              <a:rPr lang="pt-BR" sz="1200" dirty="0">
-                <a:latin typeface="+mj-lt"/>
-                <a:cs typeface="Arial" panose="020B0604020202020204" pitchFamily="34" charset="0"/>
-              </a:rPr>
-              <a:t>estabelecer os seus próprios </a:t>
-            </a:r>
-            <a:r>
-              <a:rPr lang="pt-BR" sz="1200" dirty="0" smtClean="0">
-                <a:latin typeface="+mj-lt"/>
-                <a:cs typeface="Arial" panose="020B0604020202020204" pitchFamily="34" charset="0"/>
-              </a:rPr>
-              <a:t>objetivos </a:t>
-            </a:r>
-            <a:r>
-              <a:rPr lang="pt-BR" sz="1200" dirty="0">
-                <a:latin typeface="+mj-lt"/>
-                <a:cs typeface="Arial" panose="020B0604020202020204" pitchFamily="34" charset="0"/>
-              </a:rPr>
-              <a:t>pessoais</a:t>
-            </a:r>
-            <a:r>
-              <a:rPr lang="pt-BR" sz="1200" dirty="0">
-                <a:latin typeface="+mj-lt"/>
-                <a:cs typeface="Arial" panose="020B0604020202020204" pitchFamily="34" charset="0"/>
-              </a:rPr>
-              <a:t>.</a:t>
+              <a:t>no seu perfil e estabelecer os seus próprios objetivos pessoais.</a:t>
             </a:r>
           </a:p>
         </p:txBody>
@@ -4563,7 +4532,7 @@
         <p:spPr>
           <a:xfrm>
             <a:off x="169787" y="5900315"/>
-            <a:ext cx="2693164" cy="461665"/>
+            <a:ext cx="2671615" cy="461665"/>
           </a:xfrm>
           <a:prstGeom prst="rect">
             <a:avLst/>
@@ -4577,23 +4546,12 @@
           <a:p>
             <a:pPr algn="ctr"/>
             <a:r>
-              <a:rPr lang="pt-BR" sz="1200" dirty="0">
+              <a:rPr lang="pt-BR" sz="1200" b="1" dirty="0">
                 <a:latin typeface="+mj-lt"/>
                 <a:cs typeface="Arial" panose="020B0604020202020204" pitchFamily="34" charset="0"/>
               </a:rPr>
-              <a:t>Com isso é direcionada </a:t>
-            </a:r>
-            <a:r>
-              <a:rPr lang="pt-BR" sz="1200" dirty="0">
-                <a:latin typeface="+mj-lt"/>
-                <a:cs typeface="Arial" panose="020B0604020202020204" pitchFamily="34" charset="0"/>
-              </a:rPr>
-              <a:t>para o primeiro cadastro de refeição..</a:t>
-            </a:r>
-            <a:endParaRPr lang="pt-BR" sz="1200" dirty="0">
-              <a:latin typeface="+mj-lt"/>
-              <a:cs typeface="Arial" panose="020B0604020202020204" pitchFamily="34" charset="0"/>
-            </a:endParaRPr>
+              <a:t>Com isso é direcionada para o primeiro cadastro de refeição..</a:t>
+            </a:r>
           </a:p>
         </p:txBody>
       </p:sp>
@@ -4647,8 +4605,8 @@
         </p:nvSpPr>
         <p:spPr>
           <a:xfrm>
-            <a:off x="3344884" y="5809552"/>
-            <a:ext cx="2363107" cy="646331"/>
+            <a:off x="3344885" y="5809552"/>
+            <a:ext cx="2344198" cy="646331"/>
           </a:xfrm>
           <a:prstGeom prst="rect">
             <a:avLst/>
@@ -4662,18 +4620,11 @@
           <a:p>
             <a:pPr algn="ctr"/>
             <a:r>
-              <a:rPr lang="pt-BR" sz="1200" dirty="0">
+              <a:rPr lang="pt-BR" sz="1200" b="1" dirty="0">
                 <a:latin typeface="+mj-lt"/>
                 <a:cs typeface="Arial" panose="020B0604020202020204" pitchFamily="34" charset="0"/>
               </a:rPr>
-              <a:t>Logo em seguida já estará </a:t>
-            </a:r>
-            <a:r>
-              <a:rPr lang="pt-BR" sz="1200" dirty="0">
-                <a:latin typeface="+mj-lt"/>
-                <a:cs typeface="Arial" panose="020B0604020202020204" pitchFamily="34" charset="0"/>
-              </a:rPr>
-              <a:t>disponivel a visualização dos dados especificos desta refeição.</a:t>
+              <a:t>Logo em seguida já estará disponivel a visualização dos dados especificos desta refeição.</a:t>
             </a:r>
           </a:p>
         </p:txBody>
@@ -5607,7 +5558,7 @@
         <p:spPr>
           <a:xfrm>
             <a:off x="6224937" y="5907739"/>
-            <a:ext cx="2693164" cy="461665"/>
+            <a:ext cx="2671615" cy="461665"/>
           </a:xfrm>
           <a:prstGeom prst="rect">
             <a:avLst/>
@@ -5621,30 +5572,26 @@
           <a:p>
             <a:pPr algn="ctr"/>
             <a:r>
-              <a:rPr lang="pt-BR" sz="1200" dirty="0" smtClean="0">
+              <a:rPr lang="pt-BR" sz="1200" b="1" dirty="0">
                 <a:latin typeface="+mj-lt"/>
                 <a:cs typeface="Arial" panose="020B0604020202020204" pitchFamily="34" charset="0"/>
               </a:rPr>
               <a:t>Depois dessas atividades, o Juliano já esta pronto pra aproveitar o </a:t>
             </a:r>
             <a:r>
-              <a:rPr lang="pt-BR" sz="1200" dirty="0" err="1" smtClean="0">
+              <a:rPr lang="pt-BR" sz="1200" b="1" dirty="0" err="1">
                 <a:latin typeface="+mj-lt"/>
                 <a:cs typeface="Arial" panose="020B0604020202020204" pitchFamily="34" charset="0"/>
               </a:rPr>
               <a:t>My</a:t>
             </a:r>
             <a:r>
-              <a:rPr lang="pt-BR" sz="1200" dirty="0" smtClean="0">
+              <a:rPr lang="pt-BR" sz="1200" b="1" dirty="0">
                 <a:latin typeface="+mj-lt"/>
                 <a:cs typeface="Arial" panose="020B0604020202020204" pitchFamily="34" charset="0"/>
               </a:rPr>
               <a:t> Health.</a:t>
             </a:r>
-            <a:endParaRPr lang="pt-BR" sz="1200" dirty="0">
-              <a:latin typeface="+mj-lt"/>
-              <a:cs typeface="Arial" panose="020B0604020202020204" pitchFamily="34" charset="0"/>
-            </a:endParaRPr>
           </a:p>
         </p:txBody>
       </p:sp>
@@ -5827,7 +5774,7 @@
         <p:spPr>
           <a:xfrm>
             <a:off x="9118818" y="5832140"/>
-            <a:ext cx="2955427" cy="646331"/>
+            <a:ext cx="2931779" cy="646331"/>
           </a:xfrm>
           <a:prstGeom prst="rect">
             <a:avLst/>
@@ -5841,30 +5788,26 @@
           <a:p>
             <a:pPr algn="ctr"/>
             <a:r>
-              <a:rPr lang="pt-BR" sz="1200" dirty="0" smtClean="0">
+              <a:rPr lang="pt-BR" sz="1200" b="1" dirty="0">
                 <a:latin typeface="+mj-lt"/>
                 <a:cs typeface="Arial" panose="020B0604020202020204" pitchFamily="34" charset="0"/>
               </a:rPr>
               <a:t>Dessa maneira Juliano observa a sua evolução, e fica cada vez mais satisfeito com </a:t>
             </a:r>
             <a:r>
-              <a:rPr lang="pt-BR" sz="1200" dirty="0" err="1" smtClean="0">
+              <a:rPr lang="pt-BR" sz="1200" b="1" dirty="0" err="1">
                 <a:latin typeface="+mj-lt"/>
                 <a:cs typeface="Arial" panose="020B0604020202020204" pitchFamily="34" charset="0"/>
               </a:rPr>
               <a:t>My</a:t>
             </a:r>
             <a:r>
-              <a:rPr lang="pt-BR" sz="1200" dirty="0" smtClean="0">
+              <a:rPr lang="pt-BR" sz="1200" b="1" dirty="0">
                 <a:latin typeface="+mj-lt"/>
                 <a:cs typeface="Arial" panose="020B0604020202020204" pitchFamily="34" charset="0"/>
               </a:rPr>
               <a:t> Health. Indicando assim, para os amigos.</a:t>
             </a:r>
-            <a:endParaRPr lang="pt-BR" sz="1200" dirty="0">
-              <a:latin typeface="+mj-lt"/>
-              <a:cs typeface="Arial" panose="020B0604020202020204" pitchFamily="34" charset="0"/>
-            </a:endParaRPr>
           </a:p>
         </p:txBody>
       </p:sp>
@@ -5913,6 +5856,36 @@
               </a14:hiddenFill>
             </a:ext>
           </a:extLst>
+        </p:spPr>
+      </p:pic>
+      <p:pic>
+        <p:nvPicPr>
+          <p:cNvPr id="16" name="Imagem 15">
+            <a:extLst>
+              <a:ext uri="{FF2B5EF4-FFF2-40B4-BE49-F238E27FC236}">
+                <a16:creationId xmlns:a16="http://schemas.microsoft.com/office/drawing/2014/main" id="{41EC02D2-52F8-4609-A185-2F07727AE3D9}"/>
+              </a:ext>
+            </a:extLst>
+          </p:cNvPr>
+          <p:cNvPicPr>
+            <a:picLocks noChangeAspect="1"/>
+          </p:cNvPicPr>
+          <p:nvPr/>
+        </p:nvPicPr>
+        <p:blipFill>
+          <a:blip r:embed="rId15"/>
+          <a:stretch>
+            <a:fillRect/>
+          </a:stretch>
+        </p:blipFill>
+        <p:spPr>
+          <a:xfrm>
+            <a:off x="9690345" y="683361"/>
+            <a:ext cx="1747386" cy="1005879"/>
+          </a:xfrm>
+          <a:prstGeom prst="rect">
+            <a:avLst/>
+          </a:prstGeom>
         </p:spPr>
       </p:pic>
     </p:spTree>

--- a/Documentação/Documentação_Teorica/StoryboardMH.pptx
+++ b/Documentação/Documentação_Teorica/StoryboardMH.pptx
@@ -3368,11 +3368,6 @@
             <a:avLst/>
           </a:prstGeom>
           <a:noFill/>
-          <a:ln w="38100">
-            <a:solidFill>
-              <a:srgbClr val="11BD5D"/>
-            </a:solidFill>
-          </a:ln>
         </p:spPr>
         <p:style>
           <a:lnRef idx="2">
@@ -3419,11 +3414,6 @@
           <a:prstGeom prst="rect">
             <a:avLst/>
           </a:prstGeom>
-          <a:ln w="38100">
-            <a:solidFill>
-              <a:srgbClr val="11BD5D"/>
-            </a:solidFill>
-          </a:ln>
         </p:spPr>
         <p:style>
           <a:lnRef idx="2">
@@ -3468,11 +3458,6 @@
           <a:prstGeom prst="rect">
             <a:avLst/>
           </a:prstGeom>
-          <a:ln w="38100">
-            <a:solidFill>
-              <a:srgbClr val="11BD5D"/>
-            </a:solidFill>
-          </a:ln>
         </p:spPr>
         <p:style>
           <a:lnRef idx="2">
@@ -3517,11 +3502,6 @@
           <a:prstGeom prst="rect">
             <a:avLst/>
           </a:prstGeom>
-          <a:ln w="38100">
-            <a:solidFill>
-              <a:srgbClr val="11BD5D"/>
-            </a:solidFill>
-          </a:ln>
         </p:spPr>
         <p:style>
           <a:lnRef idx="2">
@@ -3566,11 +3546,6 @@
           <a:prstGeom prst="rect">
             <a:avLst/>
           </a:prstGeom>
-          <a:ln w="38100">
-            <a:solidFill>
-              <a:srgbClr val="11BD5D"/>
-            </a:solidFill>
-          </a:ln>
         </p:spPr>
         <p:style>
           <a:lnRef idx="2">
@@ -3615,11 +3590,6 @@
           <a:prstGeom prst="rect">
             <a:avLst/>
           </a:prstGeom>
-          <a:ln w="38100">
-            <a:solidFill>
-              <a:srgbClr val="11BD5D"/>
-            </a:solidFill>
-          </a:ln>
         </p:spPr>
         <p:style>
           <a:lnRef idx="2">
@@ -3664,11 +3634,6 @@
           <a:prstGeom prst="rect">
             <a:avLst/>
           </a:prstGeom>
-          <a:ln w="38100">
-            <a:solidFill>
-              <a:srgbClr val="11BD5D"/>
-            </a:solidFill>
-          </a:ln>
         </p:spPr>
         <p:style>
           <a:lnRef idx="2">
@@ -3713,11 +3678,6 @@
           <a:prstGeom prst="rect">
             <a:avLst/>
           </a:prstGeom>
-          <a:ln w="38100">
-            <a:solidFill>
-              <a:srgbClr val="11BD5D"/>
-            </a:solidFill>
-          </a:ln>
         </p:spPr>
         <p:style>
           <a:lnRef idx="2">
@@ -3938,7 +3898,7 @@
                 <a14:useLocalDpi xmlns:a14="http://schemas.microsoft.com/office/drawing/2010/main" val="0"/>
               </a:ext>
               <a:ext uri="{96DAC541-7B7A-43D3-8B79-37D633B846F1}">
-                <asvg:svgBlip xmlns:asvg="http://schemas.microsoft.com/office/drawing/2016/SVG/main" r:embed="rId6"/>
+                <asvg:svgBlip xmlns:asvg="http://schemas.microsoft.com/office/drawing/2016/SVG/main" xmlns="" r:embed="rId6"/>
               </a:ext>
             </a:extLst>
           </a:blip>
@@ -4022,7 +3982,7 @@
           <a:p>
             <a:pPr algn="ctr"/>
             <a:r>
-              <a:rPr lang="pt-BR" sz="1200" b="1" dirty="0">
+              <a:rPr lang="pt-BR" sz="1200" dirty="0" smtClean="0">
                 <a:latin typeface="+mj-lt"/>
                 <a:cs typeface="Arial" panose="020B0604020202020204" pitchFamily="34" charset="0"/>
               </a:rPr>
@@ -4032,26 +3992,30 @@
           <a:p>
             <a:pPr algn="ctr"/>
             <a:r>
-              <a:rPr lang="pt-BR" sz="1200" b="1" dirty="0">
+              <a:rPr lang="pt-BR" sz="1200" dirty="0" smtClean="0">
                 <a:latin typeface="+mj-lt"/>
                 <a:cs typeface="Arial" panose="020B0604020202020204" pitchFamily="34" charset="0"/>
               </a:rPr>
               <a:t> forma de alimentação, e para ajudar lhe indicaram o </a:t>
             </a:r>
             <a:r>
-              <a:rPr lang="pt-BR" sz="1200" b="1" dirty="0" err="1">
+              <a:rPr lang="pt-BR" sz="1200" dirty="0" err="1" smtClean="0">
                 <a:latin typeface="+mj-lt"/>
                 <a:cs typeface="Arial" panose="020B0604020202020204" pitchFamily="34" charset="0"/>
               </a:rPr>
               <a:t>My</a:t>
             </a:r>
             <a:r>
-              <a:rPr lang="pt-BR" sz="1200" b="1" dirty="0">
+              <a:rPr lang="pt-BR" sz="1200" dirty="0" smtClean="0">
                 <a:latin typeface="+mj-lt"/>
                 <a:cs typeface="Arial" panose="020B0604020202020204" pitchFamily="34" charset="0"/>
               </a:rPr>
               <a:t> Health.</a:t>
             </a:r>
+            <a:endParaRPr lang="pt-BR" sz="1200" dirty="0">
+              <a:latin typeface="+mj-lt"/>
+              <a:cs typeface="Arial" panose="020B0604020202020204" pitchFamily="34" charset="0"/>
+            </a:endParaRPr>
           </a:p>
         </p:txBody>
       </p:sp>
@@ -4120,13 +4084,13 @@
           <a:p>
             <a:pPr algn="ctr"/>
             <a:r>
-              <a:rPr lang="pt-BR" sz="1200" b="1" dirty="0">
+              <a:rPr lang="pt-BR" sz="1200" dirty="0">
                 <a:latin typeface="+mj-lt"/>
                 <a:cs typeface="Arial" panose="020B0604020202020204" pitchFamily="34" charset="0"/>
               </a:rPr>
               <a:t>Ele então acessa o site, após breve análise percebe que era exatamente o que procurava, então  se cadastra.</a:t>
             </a:r>
-            <a:endParaRPr lang="en-US" sz="1200" b="1" dirty="0">
+            <a:endParaRPr lang="en-US" sz="1200" dirty="0">
               <a:latin typeface="+mj-lt"/>
               <a:cs typeface="Arial" panose="020B0604020202020204" pitchFamily="34" charset="0"/>
             </a:endParaRPr>
@@ -4154,7 +4118,7 @@
                 <a14:useLocalDpi xmlns:a14="http://schemas.microsoft.com/office/drawing/2010/main" val="0"/>
               </a:ext>
               <a:ext uri="{96DAC541-7B7A-43D3-8B79-37D633B846F1}">
-                <asvg:svgBlip xmlns:asvg="http://schemas.microsoft.com/office/drawing/2016/SVG/main" r:embed="rId6"/>
+                <asvg:svgBlip xmlns:asvg="http://schemas.microsoft.com/office/drawing/2016/SVG/main" xmlns="" r:embed="rId6"/>
               </a:ext>
             </a:extLst>
           </a:blip>
@@ -4270,7 +4234,7 @@
         <p:spPr>
           <a:xfrm>
             <a:off x="6189925" y="2505481"/>
-            <a:ext cx="2693196" cy="646331"/>
+            <a:ext cx="2714920" cy="646331"/>
           </a:xfrm>
           <a:prstGeom prst="rect">
             <a:avLst/>
@@ -4284,7 +4248,7 @@
           <a:p>
             <a:pPr algn="ctr"/>
             <a:r>
-              <a:rPr lang="pt-BR" sz="1200" b="1" dirty="0">
+              <a:rPr lang="pt-BR" sz="1200" dirty="0">
                 <a:latin typeface="+mj-lt"/>
                 <a:cs typeface="Arial" panose="020B0604020202020204" pitchFamily="34" charset="0"/>
               </a:rPr>
@@ -4294,7 +4258,7 @@
           <a:p>
             <a:pPr algn="ctr"/>
             <a:r>
-              <a:rPr lang="pt-BR" sz="1200" b="1" dirty="0">
+              <a:rPr lang="pt-BR" sz="1200" dirty="0">
                 <a:latin typeface="+mj-lt"/>
                 <a:cs typeface="Arial" panose="020B0604020202020204" pitchFamily="34" charset="0"/>
               </a:rPr>
@@ -4400,8 +4364,8 @@
         </p:nvSpPr>
         <p:spPr>
           <a:xfrm>
-            <a:off x="9208190" y="2524048"/>
-            <a:ext cx="2786828" cy="646331"/>
+            <a:off x="9208189" y="2524048"/>
+            <a:ext cx="2809307" cy="646331"/>
           </a:xfrm>
           <a:prstGeom prst="rect">
             <a:avLst/>
@@ -4415,21 +4379,46 @@
           <a:p>
             <a:pPr algn="ctr"/>
             <a:r>
-              <a:rPr lang="pt-BR" sz="1200" b="1" dirty="0">
+              <a:rPr lang="pt-BR" sz="1200" dirty="0">
                 <a:latin typeface="+mj-lt"/>
                 <a:cs typeface="Arial" panose="020B0604020202020204" pitchFamily="34" charset="0"/>
               </a:rPr>
               <a:t>Então o próximo passo de Juliano é, entrar </a:t>
             </a:r>
+            <a:endParaRPr lang="pt-BR" sz="1200" dirty="0" smtClean="0">
+              <a:latin typeface="+mj-lt"/>
+              <a:cs typeface="Arial" panose="020B0604020202020204" pitchFamily="34" charset="0"/>
+            </a:endParaRPr>
           </a:p>
           <a:p>
             <a:pPr algn="ctr"/>
             <a:r>
-              <a:rPr lang="pt-BR" sz="1200" b="1" dirty="0">
+              <a:rPr lang="pt-BR" sz="1200" dirty="0" smtClean="0">
                 <a:latin typeface="+mj-lt"/>
                 <a:cs typeface="Arial" panose="020B0604020202020204" pitchFamily="34" charset="0"/>
               </a:rPr>
-              <a:t>no seu perfil e estabelecer os seus próprios objetivos pessoais.</a:t>
+              <a:t>no seu </a:t>
+            </a:r>
+            <a:r>
+              <a:rPr lang="pt-BR" sz="1200" dirty="0">
+                <a:latin typeface="+mj-lt"/>
+                <a:cs typeface="Arial" panose="020B0604020202020204" pitchFamily="34" charset="0"/>
+              </a:rPr>
+              <a:t>perfil e estabelecer os seus próprios </a:t>
+            </a:r>
+            <a:r>
+              <a:rPr lang="pt-BR" sz="1200" dirty="0" smtClean="0">
+                <a:latin typeface="+mj-lt"/>
+                <a:cs typeface="Arial" panose="020B0604020202020204" pitchFamily="34" charset="0"/>
+              </a:rPr>
+              <a:t>objetivos </a:t>
+            </a:r>
+            <a:r>
+              <a:rPr lang="pt-BR" sz="1200" dirty="0">
+                <a:latin typeface="+mj-lt"/>
+                <a:cs typeface="Arial" panose="020B0604020202020204" pitchFamily="34" charset="0"/>
+              </a:rPr>
+              <a:t>pessoais.</a:t>
             </a:r>
           </a:p>
         </p:txBody>
@@ -4532,7 +4521,7 @@
         <p:spPr>
           <a:xfrm>
             <a:off x="169787" y="5900315"/>
-            <a:ext cx="2671615" cy="461665"/>
+            <a:ext cx="2693164" cy="461665"/>
           </a:xfrm>
           <a:prstGeom prst="rect">
             <a:avLst/>
@@ -4546,7 +4535,7 @@
           <a:p>
             <a:pPr algn="ctr"/>
             <a:r>
-              <a:rPr lang="pt-BR" sz="1200" b="1" dirty="0">
+              <a:rPr lang="pt-BR" sz="1200" dirty="0">
                 <a:latin typeface="+mj-lt"/>
                 <a:cs typeface="Arial" panose="020B0604020202020204" pitchFamily="34" charset="0"/>
               </a:rPr>
@@ -4605,8 +4594,8 @@
         </p:nvSpPr>
         <p:spPr>
           <a:xfrm>
-            <a:off x="3344885" y="5809552"/>
-            <a:ext cx="2344198" cy="646331"/>
+            <a:off x="3344884" y="5809552"/>
+            <a:ext cx="2363107" cy="646331"/>
           </a:xfrm>
           <a:prstGeom prst="rect">
             <a:avLst/>
@@ -4620,7 +4609,7 @@
           <a:p>
             <a:pPr algn="ctr"/>
             <a:r>
-              <a:rPr lang="pt-BR" sz="1200" b="1" dirty="0">
+              <a:rPr lang="pt-BR" sz="1200" dirty="0">
                 <a:latin typeface="+mj-lt"/>
                 <a:cs typeface="Arial" panose="020B0604020202020204" pitchFamily="34" charset="0"/>
               </a:rPr>
@@ -5558,7 +5547,7 @@
         <p:spPr>
           <a:xfrm>
             <a:off x="6224937" y="5907739"/>
-            <a:ext cx="2671615" cy="461665"/>
+            <a:ext cx="2693164" cy="461665"/>
           </a:xfrm>
           <a:prstGeom prst="rect">
             <a:avLst/>
@@ -5572,26 +5561,30 @@
           <a:p>
             <a:pPr algn="ctr"/>
             <a:r>
-              <a:rPr lang="pt-BR" sz="1200" b="1" dirty="0">
+              <a:rPr lang="pt-BR" sz="1200" dirty="0" smtClean="0">
                 <a:latin typeface="+mj-lt"/>
                 <a:cs typeface="Arial" panose="020B0604020202020204" pitchFamily="34" charset="0"/>
               </a:rPr>
               <a:t>Depois dessas atividades, o Juliano já esta pronto pra aproveitar o </a:t>
             </a:r>
             <a:r>
-              <a:rPr lang="pt-BR" sz="1200" b="1" dirty="0" err="1">
+              <a:rPr lang="pt-BR" sz="1200" dirty="0" err="1" smtClean="0">
                 <a:latin typeface="+mj-lt"/>
                 <a:cs typeface="Arial" panose="020B0604020202020204" pitchFamily="34" charset="0"/>
               </a:rPr>
               <a:t>My</a:t>
             </a:r>
             <a:r>
-              <a:rPr lang="pt-BR" sz="1200" b="1" dirty="0">
+              <a:rPr lang="pt-BR" sz="1200" dirty="0" smtClean="0">
                 <a:latin typeface="+mj-lt"/>
                 <a:cs typeface="Arial" panose="020B0604020202020204" pitchFamily="34" charset="0"/>
               </a:rPr>
               <a:t> Health.</a:t>
             </a:r>
+            <a:endParaRPr lang="pt-BR" sz="1200" dirty="0">
+              <a:latin typeface="+mj-lt"/>
+              <a:cs typeface="Arial" panose="020B0604020202020204" pitchFamily="34" charset="0"/>
+            </a:endParaRPr>
           </a:p>
         </p:txBody>
       </p:sp>
@@ -5623,8 +5616,8 @@
         </p:blipFill>
         <p:spPr>
           <a:xfrm>
-            <a:off x="7787759" y="4655623"/>
-            <a:ext cx="812075" cy="455664"/>
+            <a:off x="7617696" y="4560913"/>
+            <a:ext cx="1163309" cy="652745"/>
           </a:xfrm>
           <a:prstGeom prst="rect">
             <a:avLst/>
@@ -5773,8 +5766,8 @@
         </p:nvSpPr>
         <p:spPr>
           <a:xfrm>
-            <a:off x="9118818" y="5832140"/>
-            <a:ext cx="2931779" cy="646331"/>
+            <a:off x="9208189" y="5752183"/>
+            <a:ext cx="2866056" cy="830997"/>
           </a:xfrm>
           <a:prstGeom prst="rect">
             <a:avLst/>
@@ -5788,26 +5781,30 @@
           <a:p>
             <a:pPr algn="ctr"/>
             <a:r>
-              <a:rPr lang="pt-BR" sz="1200" b="1" dirty="0">
+              <a:rPr lang="pt-BR" sz="1200" dirty="0" smtClean="0">
                 <a:latin typeface="+mj-lt"/>
                 <a:cs typeface="Arial" panose="020B0604020202020204" pitchFamily="34" charset="0"/>
               </a:rPr>
               <a:t>Dessa maneira Juliano observa a sua evolução, e fica cada vez mais satisfeito com </a:t>
             </a:r>
             <a:r>
-              <a:rPr lang="pt-BR" sz="1200" b="1" dirty="0" err="1">
+              <a:rPr lang="pt-BR" sz="1200" dirty="0" err="1" smtClean="0">
                 <a:latin typeface="+mj-lt"/>
                 <a:cs typeface="Arial" panose="020B0604020202020204" pitchFamily="34" charset="0"/>
               </a:rPr>
               <a:t>My</a:t>
             </a:r>
             <a:r>
-              <a:rPr lang="pt-BR" sz="1200" b="1" dirty="0">
+              <a:rPr lang="pt-BR" sz="1200" dirty="0" smtClean="0">
                 <a:latin typeface="+mj-lt"/>
                 <a:cs typeface="Arial" panose="020B0604020202020204" pitchFamily="34" charset="0"/>
               </a:rPr>
               <a:t> Health. Indicando assim, para os amigos.</a:t>
             </a:r>
+            <a:endParaRPr lang="pt-BR" sz="1200" dirty="0">
+              <a:latin typeface="+mj-lt"/>
+              <a:cs typeface="Arial" panose="020B0604020202020204" pitchFamily="34" charset="0"/>
+            </a:endParaRPr>
           </a:p>
         </p:txBody>
       </p:sp>
@@ -5860,13 +5857,7 @@
       </p:pic>
       <p:pic>
         <p:nvPicPr>
-          <p:cNvPr id="16" name="Imagem 15">
-            <a:extLst>
-              <a:ext uri="{FF2B5EF4-FFF2-40B4-BE49-F238E27FC236}">
-                <a16:creationId xmlns:a16="http://schemas.microsoft.com/office/drawing/2014/main" id="{41EC02D2-52F8-4609-A185-2F07727AE3D9}"/>
-              </a:ext>
-            </a:extLst>
-          </p:cNvPr>
+          <p:cNvPr id="3" name="Imagem 2"/>
           <p:cNvPicPr>
             <a:picLocks noChangeAspect="1"/>
           </p:cNvPicPr>
@@ -5880,8 +5871,56 @@
         </p:blipFill>
         <p:spPr>
           <a:xfrm>
-            <a:off x="9690345" y="683361"/>
-            <a:ext cx="1747386" cy="1005879"/>
+            <a:off x="9613381" y="616159"/>
+            <a:ext cx="1911164" cy="1148276"/>
+          </a:xfrm>
+          <a:prstGeom prst="rect">
+            <a:avLst/>
+          </a:prstGeom>
+        </p:spPr>
+      </p:pic>
+      <p:pic>
+        <p:nvPicPr>
+          <p:cNvPr id="6" name="Imagem 5"/>
+          <p:cNvPicPr>
+            <a:picLocks noChangeAspect="1"/>
+          </p:cNvPicPr>
+          <p:nvPr/>
+        </p:nvPicPr>
+        <p:blipFill>
+          <a:blip r:embed="rId16"/>
+          <a:stretch>
+            <a:fillRect/>
+          </a:stretch>
+        </p:blipFill>
+        <p:spPr>
+          <a:xfrm>
+            <a:off x="3553662" y="3832200"/>
+            <a:ext cx="1902724" cy="1126693"/>
+          </a:xfrm>
+          <a:prstGeom prst="rect">
+            <a:avLst/>
+          </a:prstGeom>
+        </p:spPr>
+      </p:pic>
+      <p:pic>
+        <p:nvPicPr>
+          <p:cNvPr id="14" name="Imagem 13"/>
+          <p:cNvPicPr>
+            <a:picLocks noChangeAspect="1"/>
+          </p:cNvPicPr>
+          <p:nvPr/>
+        </p:nvPicPr>
+        <p:blipFill>
+          <a:blip r:embed="rId17"/>
+          <a:stretch>
+            <a:fillRect/>
+          </a:stretch>
+        </p:blipFill>
+        <p:spPr>
+          <a:xfrm>
+            <a:off x="565556" y="3804741"/>
+            <a:ext cx="1866613" cy="1154152"/>
           </a:xfrm>
           <a:prstGeom prst="rect">
             <a:avLst/>

--- a/Documentação/Documentação_Teorica/StoryboardMH.pptx
+++ b/Documentação/Documentação_Teorica/StoryboardMH.pptx
@@ -3368,6 +3368,11 @@
             <a:avLst/>
           </a:prstGeom>
           <a:noFill/>
+          <a:ln>
+            <a:solidFill>
+              <a:srgbClr val="92D050"/>
+            </a:solidFill>
+          </a:ln>
         </p:spPr>
         <p:style>
           <a:lnRef idx="2">
@@ -3414,6 +3419,11 @@
           <a:prstGeom prst="rect">
             <a:avLst/>
           </a:prstGeom>
+          <a:ln>
+            <a:solidFill>
+              <a:srgbClr val="92D050"/>
+            </a:solidFill>
+          </a:ln>
         </p:spPr>
         <p:style>
           <a:lnRef idx="2">
@@ -3458,6 +3468,11 @@
           <a:prstGeom prst="rect">
             <a:avLst/>
           </a:prstGeom>
+          <a:ln>
+            <a:solidFill>
+              <a:srgbClr val="92D050"/>
+            </a:solidFill>
+          </a:ln>
         </p:spPr>
         <p:style>
           <a:lnRef idx="2">
@@ -3502,6 +3517,11 @@
           <a:prstGeom prst="rect">
             <a:avLst/>
           </a:prstGeom>
+          <a:ln>
+            <a:solidFill>
+              <a:srgbClr val="92D050"/>
+            </a:solidFill>
+          </a:ln>
         </p:spPr>
         <p:style>
           <a:lnRef idx="2">
@@ -3546,6 +3566,11 @@
           <a:prstGeom prst="rect">
             <a:avLst/>
           </a:prstGeom>
+          <a:ln>
+            <a:solidFill>
+              <a:srgbClr val="92D050"/>
+            </a:solidFill>
+          </a:ln>
         </p:spPr>
         <p:style>
           <a:lnRef idx="2">
@@ -3590,6 +3615,11 @@
           <a:prstGeom prst="rect">
             <a:avLst/>
           </a:prstGeom>
+          <a:ln>
+            <a:solidFill>
+              <a:srgbClr val="92D050"/>
+            </a:solidFill>
+          </a:ln>
         </p:spPr>
         <p:style>
           <a:lnRef idx="2">
@@ -3634,6 +3664,11 @@
           <a:prstGeom prst="rect">
             <a:avLst/>
           </a:prstGeom>
+          <a:ln>
+            <a:solidFill>
+              <a:srgbClr val="92D050"/>
+            </a:solidFill>
+          </a:ln>
         </p:spPr>
         <p:style>
           <a:lnRef idx="2">
@@ -3678,6 +3713,11 @@
           <a:prstGeom prst="rect">
             <a:avLst/>
           </a:prstGeom>
+          <a:ln>
+            <a:solidFill>
+              <a:srgbClr val="92D050"/>
+            </a:solidFill>
+          </a:ln>
         </p:spPr>
         <p:style>
           <a:lnRef idx="2">
@@ -3898,7 +3938,7 @@
                 <a14:useLocalDpi xmlns:a14="http://schemas.microsoft.com/office/drawing/2010/main" val="0"/>
               </a:ext>
               <a:ext uri="{96DAC541-7B7A-43D3-8B79-37D633B846F1}">
-                <asvg:svgBlip xmlns:asvg="http://schemas.microsoft.com/office/drawing/2016/SVG/main" xmlns="" r:embed="rId6"/>
+                <asvg:svgBlip xmlns:asvg="http://schemas.microsoft.com/office/drawing/2016/SVG/main" r:embed="rId6"/>
               </a:ext>
             </a:extLst>
           </a:blip>
@@ -3966,8 +4006,8 @@
         </p:nvSpPr>
         <p:spPr>
           <a:xfrm>
-            <a:off x="134470" y="2494668"/>
-            <a:ext cx="2721853" cy="646331"/>
+            <a:off x="9661" y="2533787"/>
+            <a:ext cx="2920393" cy="600164"/>
           </a:xfrm>
           <a:prstGeom prst="rect">
             <a:avLst/>
@@ -3982,8 +4022,8 @@
           <a:p>
             <a:pPr algn="ctr"/>
             <a:r>
-              <a:rPr lang="pt-BR" sz="1200" dirty="0" smtClean="0">
-                <a:latin typeface="+mj-lt"/>
+              <a:rPr lang="pt-BR" sz="1100" b="1" dirty="0">
+                <a:latin typeface="Arial" panose="020B0604020202020204" pitchFamily="34" charset="0"/>
                 <a:cs typeface="Arial" panose="020B0604020202020204" pitchFamily="34" charset="0"/>
               </a:rPr>
               <a:t>Juliano está muito frustrado com a sua</a:t>
@@ -3992,30 +4032,12 @@
           <a:p>
             <a:pPr algn="ctr"/>
             <a:r>
-              <a:rPr lang="pt-BR" sz="1200" dirty="0" smtClean="0">
-                <a:latin typeface="+mj-lt"/>
+              <a:rPr lang="pt-BR" sz="1100" b="1" dirty="0">
+                <a:latin typeface="Arial" panose="020B0604020202020204" pitchFamily="34" charset="0"/>
                 <a:cs typeface="Arial" panose="020B0604020202020204" pitchFamily="34" charset="0"/>
               </a:rPr>
-              <a:t> forma de alimentação, e para ajudar lhe indicaram o </a:t>
-            </a:r>
-            <a:r>
-              <a:rPr lang="pt-BR" sz="1200" dirty="0" err="1" smtClean="0">
-                <a:latin typeface="+mj-lt"/>
-                <a:cs typeface="Arial" panose="020B0604020202020204" pitchFamily="34" charset="0"/>
-              </a:rPr>
-              <a:t>My</a:t>
-            </a:r>
-            <a:r>
-              <a:rPr lang="pt-BR" sz="1200" dirty="0" smtClean="0">
-                <a:latin typeface="+mj-lt"/>
-                <a:cs typeface="Arial" panose="020B0604020202020204" pitchFamily="34" charset="0"/>
-              </a:rPr>
-              <a:t> Health.</a:t>
-            </a:r>
-            <a:endParaRPr lang="pt-BR" sz="1200" dirty="0">
-              <a:latin typeface="+mj-lt"/>
-              <a:cs typeface="Arial" panose="020B0604020202020204" pitchFamily="34" charset="0"/>
-            </a:endParaRPr>
+              <a:t> forma de alimentação, e para ajudar lhe indicaram o My Health.</a:t>
+            </a:r>
           </a:p>
         </p:txBody>
       </p:sp>
@@ -4069,8 +4091,8 @@
         </p:nvSpPr>
         <p:spPr>
           <a:xfrm>
-            <a:off x="3280526" y="2519324"/>
-            <a:ext cx="2489257" cy="646331"/>
+            <a:off x="3205005" y="2530915"/>
+            <a:ext cx="2677103" cy="600164"/>
           </a:xfrm>
           <a:prstGeom prst="rect">
             <a:avLst/>
@@ -4084,14 +4106,14 @@
           <a:p>
             <a:pPr algn="ctr"/>
             <a:r>
-              <a:rPr lang="pt-BR" sz="1200" dirty="0">
-                <a:latin typeface="+mj-lt"/>
+              <a:rPr lang="pt-BR" sz="1100" b="1" dirty="0">
+                <a:latin typeface="Arial" panose="020B0604020202020204" pitchFamily="34" charset="0"/>
                 <a:cs typeface="Arial" panose="020B0604020202020204" pitchFamily="34" charset="0"/>
               </a:rPr>
               <a:t>Ele então acessa o site, após breve análise percebe que era exatamente o que procurava, então  se cadastra.</a:t>
             </a:r>
-            <a:endParaRPr lang="en-US" sz="1200" dirty="0">
-              <a:latin typeface="+mj-lt"/>
+            <a:endParaRPr lang="en-US" sz="1100" b="1" dirty="0">
+              <a:latin typeface="Arial" panose="020B0604020202020204" pitchFamily="34" charset="0"/>
               <a:cs typeface="Arial" panose="020B0604020202020204" pitchFamily="34" charset="0"/>
             </a:endParaRPr>
           </a:p>
@@ -4118,7 +4140,7 @@
                 <a14:useLocalDpi xmlns:a14="http://schemas.microsoft.com/office/drawing/2010/main" val="0"/>
               </a:ext>
               <a:ext uri="{96DAC541-7B7A-43D3-8B79-37D633B846F1}">
-                <asvg:svgBlip xmlns:asvg="http://schemas.microsoft.com/office/drawing/2016/SVG/main" xmlns="" r:embed="rId6"/>
+                <asvg:svgBlip xmlns:asvg="http://schemas.microsoft.com/office/drawing/2016/SVG/main" r:embed="rId6"/>
               </a:ext>
             </a:extLst>
           </a:blip>
@@ -4234,7 +4256,7 @@
         <p:spPr>
           <a:xfrm>
             <a:off x="6189925" y="2505481"/>
-            <a:ext cx="2714920" cy="646331"/>
+            <a:ext cx="2714920" cy="600164"/>
           </a:xfrm>
           <a:prstGeom prst="rect">
             <a:avLst/>
@@ -4248,8 +4270,8 @@
           <a:p>
             <a:pPr algn="ctr"/>
             <a:r>
-              <a:rPr lang="pt-BR" sz="1200" dirty="0">
-                <a:latin typeface="+mj-lt"/>
+              <a:rPr lang="pt-BR" sz="1100" b="1" dirty="0">
+                <a:latin typeface="Arial" panose="020B0604020202020204" pitchFamily="34" charset="0"/>
                 <a:cs typeface="Arial" panose="020B0604020202020204" pitchFamily="34" charset="0"/>
               </a:rPr>
               <a:t>Logo de inicio aparecerá o feed </a:t>
@@ -4258,8 +4280,8 @@
           <a:p>
             <a:pPr algn="ctr"/>
             <a:r>
-              <a:rPr lang="pt-BR" sz="1200" dirty="0">
-                <a:latin typeface="+mj-lt"/>
+              <a:rPr lang="pt-BR" sz="1100" b="1" dirty="0">
+                <a:latin typeface="Arial" panose="020B0604020202020204" pitchFamily="34" charset="0"/>
                 <a:cs typeface="Arial" panose="020B0604020202020204" pitchFamily="34" charset="0"/>
               </a:rPr>
               <a:t>do site, com o progresso de outros usuários.</a:t>
@@ -4364,8 +4386,8 @@
         </p:nvSpPr>
         <p:spPr>
           <a:xfrm>
-            <a:off x="9208189" y="2524048"/>
-            <a:ext cx="2809307" cy="646331"/>
+            <a:off x="9185816" y="2460509"/>
+            <a:ext cx="2721548" cy="769441"/>
           </a:xfrm>
           <a:prstGeom prst="rect">
             <a:avLst/>
@@ -4379,46 +4401,31 @@
           <a:p>
             <a:pPr algn="ctr"/>
             <a:r>
-              <a:rPr lang="pt-BR" sz="1200" dirty="0">
-                <a:latin typeface="+mj-lt"/>
+              <a:rPr lang="pt-BR" sz="1100" b="1" dirty="0">
+                <a:latin typeface="Arial" panose="020B0604020202020204" pitchFamily="34" charset="0"/>
                 <a:cs typeface="Arial" panose="020B0604020202020204" pitchFamily="34" charset="0"/>
               </a:rPr>
               <a:t>Então o próximo passo de Juliano é, entrar </a:t>
             </a:r>
-            <a:endParaRPr lang="pt-BR" sz="1200" dirty="0" smtClean="0">
-              <a:latin typeface="+mj-lt"/>
-              <a:cs typeface="Arial" panose="020B0604020202020204" pitchFamily="34" charset="0"/>
-            </a:endParaRPr>
           </a:p>
           <a:p>
             <a:pPr algn="ctr"/>
             <a:r>
-              <a:rPr lang="pt-BR" sz="1200" dirty="0" smtClean="0">
-                <a:latin typeface="+mj-lt"/>
+              <a:rPr lang="pt-BR" sz="1100" b="1" dirty="0">
+                <a:latin typeface="Arial" panose="020B0604020202020204" pitchFamily="34" charset="0"/>
                 <a:cs typeface="Arial" panose="020B0604020202020204" pitchFamily="34" charset="0"/>
               </a:rPr>
-              <a:t>no seu </a:t>
-            </a:r>
-            <a:r>
-              <a:rPr lang="pt-BR" sz="1200" dirty="0">
-                <a:latin typeface="+mj-lt"/>
+              <a:t>no seu perfil e estabelecer os seus </a:t>
+            </a:r>
+          </a:p>
+          <a:p>
+            <a:pPr algn="ctr"/>
+            <a:r>
+              <a:rPr lang="pt-BR" sz="1100" b="1" dirty="0">
+                <a:latin typeface="Arial" panose="020B0604020202020204" pitchFamily="34" charset="0"/>
                 <a:cs typeface="Arial" panose="020B0604020202020204" pitchFamily="34" charset="0"/>
               </a:rPr>
-              <a:t>perfil e estabelecer os seus próprios </a:t>
-            </a:r>
-            <a:r>
-              <a:rPr lang="pt-BR" sz="1200" dirty="0" smtClean="0">
-                <a:latin typeface="+mj-lt"/>
-                <a:cs typeface="Arial" panose="020B0604020202020204" pitchFamily="34" charset="0"/>
-              </a:rPr>
-              <a:t>objetivos </a:t>
-            </a:r>
-            <a:r>
-              <a:rPr lang="pt-BR" sz="1200" dirty="0">
-                <a:latin typeface="+mj-lt"/>
-                <a:cs typeface="Arial" panose="020B0604020202020204" pitchFamily="34" charset="0"/>
-              </a:rPr>
-              <a:t>pessoais.</a:t>
+              <a:t>próprios objetivos pessoais.</a:t>
             </a:r>
           </a:p>
         </p:txBody>
@@ -4521,7 +4528,7 @@
         <p:spPr>
           <a:xfrm>
             <a:off x="169787" y="5900315"/>
-            <a:ext cx="2693164" cy="461665"/>
+            <a:ext cx="2693164" cy="430887"/>
           </a:xfrm>
           <a:prstGeom prst="rect">
             <a:avLst/>
@@ -4535,8 +4542,8 @@
           <a:p>
             <a:pPr algn="ctr"/>
             <a:r>
-              <a:rPr lang="pt-BR" sz="1200" dirty="0">
-                <a:latin typeface="+mj-lt"/>
+              <a:rPr lang="pt-BR" sz="1100" b="1" dirty="0">
+                <a:latin typeface="Arial" panose="020B0604020202020204" pitchFamily="34" charset="0"/>
                 <a:cs typeface="Arial" panose="020B0604020202020204" pitchFamily="34" charset="0"/>
               </a:rPr>
               <a:t>Com isso é direcionada para o primeiro cadastro de refeição..</a:t>
@@ -4594,8 +4601,8 @@
         </p:nvSpPr>
         <p:spPr>
           <a:xfrm>
-            <a:off x="3344884" y="5809552"/>
-            <a:ext cx="2363107" cy="646331"/>
+            <a:off x="3362002" y="5770548"/>
+            <a:ext cx="2363107" cy="769441"/>
           </a:xfrm>
           <a:prstGeom prst="rect">
             <a:avLst/>
@@ -4609,8 +4616,8 @@
           <a:p>
             <a:pPr algn="ctr"/>
             <a:r>
-              <a:rPr lang="pt-BR" sz="1200" dirty="0">
-                <a:latin typeface="+mj-lt"/>
+              <a:rPr lang="pt-BR" sz="1100" b="1" dirty="0">
+                <a:latin typeface="Arial" panose="020B0604020202020204" pitchFamily="34" charset="0"/>
                 <a:cs typeface="Arial" panose="020B0604020202020204" pitchFamily="34" charset="0"/>
               </a:rPr>
               <a:t>Logo em seguida já estará disponivel a visualização dos dados especificos desta refeição.</a:t>
@@ -5546,8 +5553,8 @@
         </p:nvSpPr>
         <p:spPr>
           <a:xfrm>
-            <a:off x="6224937" y="5907739"/>
-            <a:ext cx="2693164" cy="461665"/>
+            <a:off x="6235939" y="5855156"/>
+            <a:ext cx="2693164" cy="600164"/>
           </a:xfrm>
           <a:prstGeom prst="rect">
             <a:avLst/>
@@ -5561,30 +5568,12 @@
           <a:p>
             <a:pPr algn="ctr"/>
             <a:r>
-              <a:rPr lang="pt-BR" sz="1200" dirty="0" smtClean="0">
-                <a:latin typeface="+mj-lt"/>
+              <a:rPr lang="pt-BR" sz="1100" b="1" dirty="0">
+                <a:latin typeface="Arial" panose="020B0604020202020204" pitchFamily="34" charset="0"/>
                 <a:cs typeface="Arial" panose="020B0604020202020204" pitchFamily="34" charset="0"/>
               </a:rPr>
-              <a:t>Depois dessas atividades, o Juliano já esta pronto pra aproveitar o </a:t>
-            </a:r>
-            <a:r>
-              <a:rPr lang="pt-BR" sz="1200" dirty="0" err="1" smtClean="0">
-                <a:latin typeface="+mj-lt"/>
-                <a:cs typeface="Arial" panose="020B0604020202020204" pitchFamily="34" charset="0"/>
-              </a:rPr>
-              <a:t>My</a:t>
-            </a:r>
-            <a:r>
-              <a:rPr lang="pt-BR" sz="1200" dirty="0" smtClean="0">
-                <a:latin typeface="+mj-lt"/>
-                <a:cs typeface="Arial" panose="020B0604020202020204" pitchFamily="34" charset="0"/>
-              </a:rPr>
-              <a:t> Health.</a:t>
-            </a:r>
-            <a:endParaRPr lang="pt-BR" sz="1200" dirty="0">
-              <a:latin typeface="+mj-lt"/>
-              <a:cs typeface="Arial" panose="020B0604020202020204" pitchFamily="34" charset="0"/>
-            </a:endParaRPr>
+              <a:t>Depois dessas atividades, o Juliano já esta pronto pra aproveitar o My Health.</a:t>
+            </a:r>
           </a:p>
         </p:txBody>
       </p:sp>
@@ -5766,8 +5755,8 @@
         </p:nvSpPr>
         <p:spPr>
           <a:xfrm>
-            <a:off x="9208189" y="5752183"/>
-            <a:ext cx="2866056" cy="830997"/>
+            <a:off x="9184541" y="5760175"/>
+            <a:ext cx="2866056" cy="769441"/>
           </a:xfrm>
           <a:prstGeom prst="rect">
             <a:avLst/>
@@ -5781,30 +5770,12 @@
           <a:p>
             <a:pPr algn="ctr"/>
             <a:r>
-              <a:rPr lang="pt-BR" sz="1200" dirty="0" smtClean="0">
-                <a:latin typeface="+mj-lt"/>
+              <a:rPr lang="pt-BR" sz="1100" b="1" dirty="0">
+                <a:latin typeface="Arial" panose="020B0604020202020204" pitchFamily="34" charset="0"/>
                 <a:cs typeface="Arial" panose="020B0604020202020204" pitchFamily="34" charset="0"/>
               </a:rPr>
-              <a:t>Dessa maneira Juliano observa a sua evolução, e fica cada vez mais satisfeito com </a:t>
-            </a:r>
-            <a:r>
-              <a:rPr lang="pt-BR" sz="1200" dirty="0" err="1" smtClean="0">
-                <a:latin typeface="+mj-lt"/>
-                <a:cs typeface="Arial" panose="020B0604020202020204" pitchFamily="34" charset="0"/>
-              </a:rPr>
-              <a:t>My</a:t>
-            </a:r>
-            <a:r>
-              <a:rPr lang="pt-BR" sz="1200" dirty="0" smtClean="0">
-                <a:latin typeface="+mj-lt"/>
-                <a:cs typeface="Arial" panose="020B0604020202020204" pitchFamily="34" charset="0"/>
-              </a:rPr>
-              <a:t> Health. Indicando assim, para os amigos.</a:t>
-            </a:r>
-            <a:endParaRPr lang="pt-BR" sz="1200" dirty="0">
-              <a:latin typeface="+mj-lt"/>
-              <a:cs typeface="Arial" panose="020B0604020202020204" pitchFamily="34" charset="0"/>
-            </a:endParaRPr>
+              <a:t>Dessa maneira Juliano observa a sua evolução, e fica cada vez mais satisfeito com My Health. Indicando assim, para os amigos.</a:t>
+            </a:r>
           </a:p>
         </p:txBody>
       </p:sp>

--- a/Documentação/Documentação_Teorica/StoryboardMH.pptx
+++ b/Documentação/Documentação_Teorica/StoryboardMH.pptx
@@ -261,7 +261,7 @@
           <a:p>
             <a:fld id="{87A13D2C-C5AF-44AB-9DAE-EFA79061354C}" type="datetimeFigureOut">
               <a:rPr lang="en-US" smtClean="0"/>
-              <a:t>3/10/2021</a:t>
+              <a:t>3/11/2021</a:t>
             </a:fld>
             <a:endParaRPr lang="en-US"/>
           </a:p>
@@ -461,7 +461,7 @@
           <a:p>
             <a:fld id="{87A13D2C-C5AF-44AB-9DAE-EFA79061354C}" type="datetimeFigureOut">
               <a:rPr lang="en-US" smtClean="0"/>
-              <a:t>3/10/2021</a:t>
+              <a:t>3/11/2021</a:t>
             </a:fld>
             <a:endParaRPr lang="en-US"/>
           </a:p>
@@ -671,7 +671,7 @@
           <a:p>
             <a:fld id="{87A13D2C-C5AF-44AB-9DAE-EFA79061354C}" type="datetimeFigureOut">
               <a:rPr lang="en-US" smtClean="0"/>
-              <a:t>3/10/2021</a:t>
+              <a:t>3/11/2021</a:t>
             </a:fld>
             <a:endParaRPr lang="en-US"/>
           </a:p>
@@ -871,7 +871,7 @@
           <a:p>
             <a:fld id="{87A13D2C-C5AF-44AB-9DAE-EFA79061354C}" type="datetimeFigureOut">
               <a:rPr lang="en-US" smtClean="0"/>
-              <a:t>3/10/2021</a:t>
+              <a:t>3/11/2021</a:t>
             </a:fld>
             <a:endParaRPr lang="en-US"/>
           </a:p>
@@ -1147,7 +1147,7 @@
           <a:p>
             <a:fld id="{87A13D2C-C5AF-44AB-9DAE-EFA79061354C}" type="datetimeFigureOut">
               <a:rPr lang="en-US" smtClean="0"/>
-              <a:t>3/10/2021</a:t>
+              <a:t>3/11/2021</a:t>
             </a:fld>
             <a:endParaRPr lang="en-US"/>
           </a:p>
@@ -1415,7 +1415,7 @@
           <a:p>
             <a:fld id="{87A13D2C-C5AF-44AB-9DAE-EFA79061354C}" type="datetimeFigureOut">
               <a:rPr lang="en-US" smtClean="0"/>
-              <a:t>3/10/2021</a:t>
+              <a:t>3/11/2021</a:t>
             </a:fld>
             <a:endParaRPr lang="en-US"/>
           </a:p>
@@ -1830,7 +1830,7 @@
           <a:p>
             <a:fld id="{87A13D2C-C5AF-44AB-9DAE-EFA79061354C}" type="datetimeFigureOut">
               <a:rPr lang="en-US" smtClean="0"/>
-              <a:t>3/10/2021</a:t>
+              <a:t>3/11/2021</a:t>
             </a:fld>
             <a:endParaRPr lang="en-US"/>
           </a:p>
@@ -1972,7 +1972,7 @@
           <a:p>
             <a:fld id="{87A13D2C-C5AF-44AB-9DAE-EFA79061354C}" type="datetimeFigureOut">
               <a:rPr lang="en-US" smtClean="0"/>
-              <a:t>3/10/2021</a:t>
+              <a:t>3/11/2021</a:t>
             </a:fld>
             <a:endParaRPr lang="en-US"/>
           </a:p>
@@ -2085,7 +2085,7 @@
           <a:p>
             <a:fld id="{87A13D2C-C5AF-44AB-9DAE-EFA79061354C}" type="datetimeFigureOut">
               <a:rPr lang="en-US" smtClean="0"/>
-              <a:t>3/10/2021</a:t>
+              <a:t>3/11/2021</a:t>
             </a:fld>
             <a:endParaRPr lang="en-US"/>
           </a:p>
@@ -2398,7 +2398,7 @@
           <a:p>
             <a:fld id="{87A13D2C-C5AF-44AB-9DAE-EFA79061354C}" type="datetimeFigureOut">
               <a:rPr lang="en-US" smtClean="0"/>
-              <a:t>3/10/2021</a:t>
+              <a:t>3/11/2021</a:t>
             </a:fld>
             <a:endParaRPr lang="en-US"/>
           </a:p>
@@ -2687,7 +2687,7 @@
           <a:p>
             <a:fld id="{87A13D2C-C5AF-44AB-9DAE-EFA79061354C}" type="datetimeFigureOut">
               <a:rPr lang="en-US" smtClean="0"/>
-              <a:t>3/10/2021</a:t>
+              <a:t>3/11/2021</a:t>
             </a:fld>
             <a:endParaRPr lang="en-US"/>
           </a:p>
@@ -2930,7 +2930,7 @@
           <a:p>
             <a:fld id="{87A13D2C-C5AF-44AB-9DAE-EFA79061354C}" type="datetimeFigureOut">
               <a:rPr lang="en-US" smtClean="0"/>
-              <a:t>3/10/2021</a:t>
+              <a:t>3/11/2021</a:t>
             </a:fld>
             <a:endParaRPr lang="en-US"/>
           </a:p>
@@ -3368,11 +3368,6 @@
             <a:avLst/>
           </a:prstGeom>
           <a:noFill/>
-          <a:ln>
-            <a:solidFill>
-              <a:srgbClr val="92D050"/>
-            </a:solidFill>
-          </a:ln>
         </p:spPr>
         <p:style>
           <a:lnRef idx="2">
@@ -3419,11 +3414,6 @@
           <a:prstGeom prst="rect">
             <a:avLst/>
           </a:prstGeom>
-          <a:ln>
-            <a:solidFill>
-              <a:srgbClr val="92D050"/>
-            </a:solidFill>
-          </a:ln>
         </p:spPr>
         <p:style>
           <a:lnRef idx="2">
@@ -3468,11 +3458,6 @@
           <a:prstGeom prst="rect">
             <a:avLst/>
           </a:prstGeom>
-          <a:ln>
-            <a:solidFill>
-              <a:srgbClr val="92D050"/>
-            </a:solidFill>
-          </a:ln>
         </p:spPr>
         <p:style>
           <a:lnRef idx="2">
@@ -3517,11 +3502,6 @@
           <a:prstGeom prst="rect">
             <a:avLst/>
           </a:prstGeom>
-          <a:ln>
-            <a:solidFill>
-              <a:srgbClr val="92D050"/>
-            </a:solidFill>
-          </a:ln>
         </p:spPr>
         <p:style>
           <a:lnRef idx="2">
@@ -3566,11 +3546,6 @@
           <a:prstGeom prst="rect">
             <a:avLst/>
           </a:prstGeom>
-          <a:ln>
-            <a:solidFill>
-              <a:srgbClr val="92D050"/>
-            </a:solidFill>
-          </a:ln>
         </p:spPr>
         <p:style>
           <a:lnRef idx="2">
@@ -3615,11 +3590,6 @@
           <a:prstGeom prst="rect">
             <a:avLst/>
           </a:prstGeom>
-          <a:ln>
-            <a:solidFill>
-              <a:srgbClr val="92D050"/>
-            </a:solidFill>
-          </a:ln>
         </p:spPr>
         <p:style>
           <a:lnRef idx="2">
@@ -3664,11 +3634,6 @@
           <a:prstGeom prst="rect">
             <a:avLst/>
           </a:prstGeom>
-          <a:ln>
-            <a:solidFill>
-              <a:srgbClr val="92D050"/>
-            </a:solidFill>
-          </a:ln>
         </p:spPr>
         <p:style>
           <a:lnRef idx="2">
@@ -3713,11 +3678,6 @@
           <a:prstGeom prst="rect">
             <a:avLst/>
           </a:prstGeom>
-          <a:ln>
-            <a:solidFill>
-              <a:srgbClr val="92D050"/>
-            </a:solidFill>
-          </a:ln>
         </p:spPr>
         <p:style>
           <a:lnRef idx="2">
@@ -3938,7 +3898,7 @@
                 <a14:useLocalDpi xmlns:a14="http://schemas.microsoft.com/office/drawing/2010/main" val="0"/>
               </a:ext>
               <a:ext uri="{96DAC541-7B7A-43D3-8B79-37D633B846F1}">
-                <asvg:svgBlip xmlns:asvg="http://schemas.microsoft.com/office/drawing/2016/SVG/main" r:embed="rId6"/>
+                <asvg:svgBlip xmlns="" xmlns:asvg="http://schemas.microsoft.com/office/drawing/2016/SVG/main" r:embed="rId6"/>
               </a:ext>
             </a:extLst>
           </a:blip>
@@ -4006,8 +3966,8 @@
         </p:nvSpPr>
         <p:spPr>
           <a:xfrm>
-            <a:off x="9661" y="2533787"/>
-            <a:ext cx="2920393" cy="600164"/>
+            <a:off x="134470" y="2494668"/>
+            <a:ext cx="2721853" cy="646331"/>
           </a:xfrm>
           <a:prstGeom prst="rect">
             <a:avLst/>
@@ -4022,22 +3982,47 @@
           <a:p>
             <a:pPr algn="ctr"/>
             <a:r>
-              <a:rPr lang="pt-BR" sz="1100" b="1" dirty="0">
-                <a:latin typeface="Arial" panose="020B0604020202020204" pitchFamily="34" charset="0"/>
+              <a:rPr lang="pt-BR" sz="1200" dirty="0" smtClean="0">
+                <a:latin typeface="+mj-lt"/>
                 <a:cs typeface="Arial" panose="020B0604020202020204" pitchFamily="34" charset="0"/>
               </a:rPr>
-              <a:t>Juliano está muito frustrado com a sua</a:t>
-            </a:r>
-          </a:p>
-          <a:p>
-            <a:pPr algn="ctr"/>
-            <a:r>
-              <a:rPr lang="pt-BR" sz="1100" b="1" dirty="0">
-                <a:latin typeface="Arial" panose="020B0604020202020204" pitchFamily="34" charset="0"/>
+              <a:t>Igor </a:t>
+            </a:r>
+            <a:r>
+              <a:rPr lang="pt-BR" sz="1200" dirty="0" smtClean="0">
+                <a:latin typeface="+mj-lt"/>
                 <a:cs typeface="Arial" panose="020B0604020202020204" pitchFamily="34" charset="0"/>
               </a:rPr>
-              <a:t> forma de alimentação, e para ajudar lhe indicaram o My Health.</a:t>
-            </a:r>
+              <a:t>está muito frustrado com a sua</a:t>
+            </a:r>
+          </a:p>
+          <a:p>
+            <a:pPr algn="ctr"/>
+            <a:r>
+              <a:rPr lang="pt-BR" sz="1200" dirty="0" smtClean="0">
+                <a:latin typeface="+mj-lt"/>
+                <a:cs typeface="Arial" panose="020B0604020202020204" pitchFamily="34" charset="0"/>
+              </a:rPr>
+              <a:t> forma de alimentação, e para ajudar lhe indicaram o </a:t>
+            </a:r>
+            <a:r>
+              <a:rPr lang="pt-BR" sz="1200" dirty="0" err="1" smtClean="0">
+                <a:latin typeface="+mj-lt"/>
+                <a:cs typeface="Arial" panose="020B0604020202020204" pitchFamily="34" charset="0"/>
+              </a:rPr>
+              <a:t>My</a:t>
+            </a:r>
+            <a:r>
+              <a:rPr lang="pt-BR" sz="1200" dirty="0" smtClean="0">
+                <a:latin typeface="+mj-lt"/>
+                <a:cs typeface="Arial" panose="020B0604020202020204" pitchFamily="34" charset="0"/>
+              </a:rPr>
+              <a:t> Health.</a:t>
+            </a:r>
+            <a:endParaRPr lang="pt-BR" sz="1200" dirty="0">
+              <a:latin typeface="+mj-lt"/>
+              <a:cs typeface="Arial" panose="020B0604020202020204" pitchFamily="34" charset="0"/>
+            </a:endParaRPr>
           </a:p>
         </p:txBody>
       </p:sp>
@@ -4091,8 +4076,8 @@
         </p:nvSpPr>
         <p:spPr>
           <a:xfrm>
-            <a:off x="3205005" y="2530915"/>
-            <a:ext cx="2677103" cy="600164"/>
+            <a:off x="3280526" y="2519324"/>
+            <a:ext cx="2489257" cy="646331"/>
           </a:xfrm>
           <a:prstGeom prst="rect">
             <a:avLst/>
@@ -4106,14 +4091,14 @@
           <a:p>
             <a:pPr algn="ctr"/>
             <a:r>
-              <a:rPr lang="pt-BR" sz="1100" b="1" dirty="0">
-                <a:latin typeface="Arial" panose="020B0604020202020204" pitchFamily="34" charset="0"/>
+              <a:rPr lang="pt-BR" sz="1200" dirty="0">
+                <a:latin typeface="+mj-lt"/>
                 <a:cs typeface="Arial" panose="020B0604020202020204" pitchFamily="34" charset="0"/>
               </a:rPr>
               <a:t>Ele então acessa o site, após breve análise percebe que era exatamente o que procurava, então  se cadastra.</a:t>
             </a:r>
-            <a:endParaRPr lang="en-US" sz="1100" b="1" dirty="0">
-              <a:latin typeface="Arial" panose="020B0604020202020204" pitchFamily="34" charset="0"/>
+            <a:endParaRPr lang="en-US" sz="1200" dirty="0">
+              <a:latin typeface="+mj-lt"/>
               <a:cs typeface="Arial" panose="020B0604020202020204" pitchFamily="34" charset="0"/>
             </a:endParaRPr>
           </a:p>
@@ -4140,7 +4125,7 @@
                 <a14:useLocalDpi xmlns:a14="http://schemas.microsoft.com/office/drawing/2010/main" val="0"/>
               </a:ext>
               <a:ext uri="{96DAC541-7B7A-43D3-8B79-37D633B846F1}">
-                <asvg:svgBlip xmlns:asvg="http://schemas.microsoft.com/office/drawing/2016/SVG/main" r:embed="rId6"/>
+                <asvg:svgBlip xmlns="" xmlns:asvg="http://schemas.microsoft.com/office/drawing/2016/SVG/main" r:embed="rId6"/>
               </a:ext>
             </a:extLst>
           </a:blip>
@@ -4256,7 +4241,7 @@
         <p:spPr>
           <a:xfrm>
             <a:off x="6189925" y="2505481"/>
-            <a:ext cx="2714920" cy="600164"/>
+            <a:ext cx="2714920" cy="646331"/>
           </a:xfrm>
           <a:prstGeom prst="rect">
             <a:avLst/>
@@ -4270,8 +4255,8 @@
           <a:p>
             <a:pPr algn="ctr"/>
             <a:r>
-              <a:rPr lang="pt-BR" sz="1100" b="1" dirty="0">
-                <a:latin typeface="Arial" panose="020B0604020202020204" pitchFamily="34" charset="0"/>
+              <a:rPr lang="pt-BR" sz="1200" dirty="0">
+                <a:latin typeface="+mj-lt"/>
                 <a:cs typeface="Arial" panose="020B0604020202020204" pitchFamily="34" charset="0"/>
               </a:rPr>
               <a:t>Logo de inicio aparecerá o feed </a:t>
@@ -4280,8 +4265,8 @@
           <a:p>
             <a:pPr algn="ctr"/>
             <a:r>
-              <a:rPr lang="pt-BR" sz="1100" b="1" dirty="0">
-                <a:latin typeface="Arial" panose="020B0604020202020204" pitchFamily="34" charset="0"/>
+              <a:rPr lang="pt-BR" sz="1200" dirty="0">
+                <a:latin typeface="+mj-lt"/>
                 <a:cs typeface="Arial" panose="020B0604020202020204" pitchFamily="34" charset="0"/>
               </a:rPr>
               <a:t>do site, com o progresso de outros usuários.</a:t>
@@ -4386,8 +4371,8 @@
         </p:nvSpPr>
         <p:spPr>
           <a:xfrm>
-            <a:off x="9185816" y="2460509"/>
-            <a:ext cx="2721548" cy="769441"/>
+            <a:off x="9208189" y="2524048"/>
+            <a:ext cx="2809307" cy="646331"/>
           </a:xfrm>
           <a:prstGeom prst="rect">
             <a:avLst/>
@@ -4401,31 +4386,60 @@
           <a:p>
             <a:pPr algn="ctr"/>
             <a:r>
-              <a:rPr lang="pt-BR" sz="1100" b="1" dirty="0">
-                <a:latin typeface="Arial" panose="020B0604020202020204" pitchFamily="34" charset="0"/>
+              <a:rPr lang="pt-BR" sz="1200" dirty="0">
+                <a:latin typeface="+mj-lt"/>
                 <a:cs typeface="Arial" panose="020B0604020202020204" pitchFamily="34" charset="0"/>
               </a:rPr>
-              <a:t>Então o próximo passo de Juliano é, entrar </a:t>
-            </a:r>
-          </a:p>
-          <a:p>
-            <a:pPr algn="ctr"/>
-            <a:r>
-              <a:rPr lang="pt-BR" sz="1100" b="1" dirty="0">
-                <a:latin typeface="Arial" panose="020B0604020202020204" pitchFamily="34" charset="0"/>
+              <a:t>Então o próximo passo de </a:t>
+            </a:r>
+            <a:r>
+              <a:rPr lang="pt-BR" sz="1200" dirty="0" smtClean="0">
+                <a:latin typeface="+mj-lt"/>
                 <a:cs typeface="Arial" panose="020B0604020202020204" pitchFamily="34" charset="0"/>
               </a:rPr>
-              <a:t>no seu perfil e estabelecer os seus </a:t>
-            </a:r>
-          </a:p>
-          <a:p>
-            <a:pPr algn="ctr"/>
-            <a:r>
-              <a:rPr lang="pt-BR" sz="1100" b="1" dirty="0">
-                <a:latin typeface="Arial" panose="020B0604020202020204" pitchFamily="34" charset="0"/>
+              <a:t>Igor </a:t>
+            </a:r>
+            <a:r>
+              <a:rPr lang="pt-BR" sz="1200" dirty="0">
+                <a:latin typeface="+mj-lt"/>
                 <a:cs typeface="Arial" panose="020B0604020202020204" pitchFamily="34" charset="0"/>
               </a:rPr>
-              <a:t>próprios objetivos pessoais.</a:t>
+              <a:t>é, entrar </a:t>
+            </a:r>
+            <a:endParaRPr lang="pt-BR" sz="1200" dirty="0" smtClean="0">
+              <a:latin typeface="+mj-lt"/>
+              <a:cs typeface="Arial" panose="020B0604020202020204" pitchFamily="34" charset="0"/>
+            </a:endParaRPr>
+          </a:p>
+          <a:p>
+            <a:pPr algn="ctr"/>
+            <a:r>
+              <a:rPr lang="pt-BR" sz="1200" dirty="0" smtClean="0">
+                <a:latin typeface="+mj-lt"/>
+                <a:cs typeface="Arial" panose="020B0604020202020204" pitchFamily="34" charset="0"/>
+              </a:rPr>
+              <a:t>no seu </a:t>
+            </a:r>
+            <a:r>
+              <a:rPr lang="pt-BR" sz="1200" dirty="0">
+                <a:latin typeface="+mj-lt"/>
+                <a:cs typeface="Arial" panose="020B0604020202020204" pitchFamily="34" charset="0"/>
+              </a:rPr>
+              <a:t>perfil e estabelecer os seus próprios </a:t>
+            </a:r>
+            <a:r>
+              <a:rPr lang="pt-BR" sz="1200" dirty="0" smtClean="0">
+                <a:latin typeface="+mj-lt"/>
+                <a:cs typeface="Arial" panose="020B0604020202020204" pitchFamily="34" charset="0"/>
+              </a:rPr>
+              <a:t>objetivos </a:t>
+            </a:r>
+            <a:r>
+              <a:rPr lang="pt-BR" sz="1200" dirty="0">
+                <a:latin typeface="+mj-lt"/>
+                <a:cs typeface="Arial" panose="020B0604020202020204" pitchFamily="34" charset="0"/>
+              </a:rPr>
+              <a:t>pessoais.</a:t>
             </a:r>
           </a:p>
         </p:txBody>
@@ -4528,7 +4542,7 @@
         <p:spPr>
           <a:xfrm>
             <a:off x="169787" y="5900315"/>
-            <a:ext cx="2693164" cy="430887"/>
+            <a:ext cx="2693164" cy="461665"/>
           </a:xfrm>
           <a:prstGeom prst="rect">
             <a:avLst/>
@@ -4542,8 +4556,8 @@
           <a:p>
             <a:pPr algn="ctr"/>
             <a:r>
-              <a:rPr lang="pt-BR" sz="1100" b="1" dirty="0">
-                <a:latin typeface="Arial" panose="020B0604020202020204" pitchFamily="34" charset="0"/>
+              <a:rPr lang="pt-BR" sz="1200" dirty="0">
+                <a:latin typeface="+mj-lt"/>
                 <a:cs typeface="Arial" panose="020B0604020202020204" pitchFamily="34" charset="0"/>
               </a:rPr>
               <a:t>Com isso é direcionada para o primeiro cadastro de refeição..</a:t>
@@ -4601,8 +4615,8 @@
         </p:nvSpPr>
         <p:spPr>
           <a:xfrm>
-            <a:off x="3362002" y="5770548"/>
-            <a:ext cx="2363107" cy="769441"/>
+            <a:off x="3344884" y="5809552"/>
+            <a:ext cx="2363107" cy="646331"/>
           </a:xfrm>
           <a:prstGeom prst="rect">
             <a:avLst/>
@@ -4616,8 +4630,8 @@
           <a:p>
             <a:pPr algn="ctr"/>
             <a:r>
-              <a:rPr lang="pt-BR" sz="1100" b="1" dirty="0">
-                <a:latin typeface="Arial" panose="020B0604020202020204" pitchFamily="34" charset="0"/>
+              <a:rPr lang="pt-BR" sz="1200" dirty="0">
+                <a:latin typeface="+mj-lt"/>
                 <a:cs typeface="Arial" panose="020B0604020202020204" pitchFamily="34" charset="0"/>
               </a:rPr>
               <a:t>Logo em seguida já estará disponivel a visualização dos dados especificos desta refeição.</a:t>
@@ -5553,8 +5567,8 @@
         </p:nvSpPr>
         <p:spPr>
           <a:xfrm>
-            <a:off x="6235939" y="5855156"/>
-            <a:ext cx="2693164" cy="600164"/>
+            <a:off x="6224937" y="5907739"/>
+            <a:ext cx="2693164" cy="461665"/>
           </a:xfrm>
           <a:prstGeom prst="rect">
             <a:avLst/>
@@ -5568,12 +5582,30 @@
           <a:p>
             <a:pPr algn="ctr"/>
             <a:r>
-              <a:rPr lang="pt-BR" sz="1100" b="1" dirty="0">
-                <a:latin typeface="Arial" panose="020B0604020202020204" pitchFamily="34" charset="0"/>
+              <a:rPr lang="pt-BR" sz="1200" dirty="0" smtClean="0">
+                <a:latin typeface="+mj-lt"/>
                 <a:cs typeface="Arial" panose="020B0604020202020204" pitchFamily="34" charset="0"/>
               </a:rPr>
-              <a:t>Depois dessas atividades, o Juliano já esta pronto pra aproveitar o My Health.</a:t>
-            </a:r>
+              <a:t>Depois dessas atividades, o Juliano já esta pronto pra aproveitar o </a:t>
+            </a:r>
+            <a:r>
+              <a:rPr lang="pt-BR" sz="1200" dirty="0" err="1" smtClean="0">
+                <a:latin typeface="+mj-lt"/>
+                <a:cs typeface="Arial" panose="020B0604020202020204" pitchFamily="34" charset="0"/>
+              </a:rPr>
+              <a:t>My</a:t>
+            </a:r>
+            <a:r>
+              <a:rPr lang="pt-BR" sz="1200" dirty="0" smtClean="0">
+                <a:latin typeface="+mj-lt"/>
+                <a:cs typeface="Arial" panose="020B0604020202020204" pitchFamily="34" charset="0"/>
+              </a:rPr>
+              <a:t> Health.</a:t>
+            </a:r>
+            <a:endParaRPr lang="pt-BR" sz="1200" dirty="0">
+              <a:latin typeface="+mj-lt"/>
+              <a:cs typeface="Arial" panose="020B0604020202020204" pitchFamily="34" charset="0"/>
+            </a:endParaRPr>
           </a:p>
         </p:txBody>
       </p:sp>
@@ -5755,8 +5787,8 @@
         </p:nvSpPr>
         <p:spPr>
           <a:xfrm>
-            <a:off x="9184541" y="5760175"/>
-            <a:ext cx="2866056" cy="769441"/>
+            <a:off x="9208189" y="5752183"/>
+            <a:ext cx="2866056" cy="830997"/>
           </a:xfrm>
           <a:prstGeom prst="rect">
             <a:avLst/>
@@ -5770,12 +5802,30 @@
           <a:p>
             <a:pPr algn="ctr"/>
             <a:r>
-              <a:rPr lang="pt-BR" sz="1100" b="1" dirty="0">
-                <a:latin typeface="Arial" panose="020B0604020202020204" pitchFamily="34" charset="0"/>
+              <a:rPr lang="pt-BR" sz="1200" dirty="0" smtClean="0">
+                <a:latin typeface="+mj-lt"/>
                 <a:cs typeface="Arial" panose="020B0604020202020204" pitchFamily="34" charset="0"/>
               </a:rPr>
-              <a:t>Dessa maneira Juliano observa a sua evolução, e fica cada vez mais satisfeito com My Health. Indicando assim, para os amigos.</a:t>
-            </a:r>
+              <a:t>Dessa maneira Juliano observa a sua evolução, e fica cada vez mais satisfeito com </a:t>
+            </a:r>
+            <a:r>
+              <a:rPr lang="pt-BR" sz="1200" dirty="0" err="1" smtClean="0">
+                <a:latin typeface="+mj-lt"/>
+                <a:cs typeface="Arial" panose="020B0604020202020204" pitchFamily="34" charset="0"/>
+              </a:rPr>
+              <a:t>My</a:t>
+            </a:r>
+            <a:r>
+              <a:rPr lang="pt-BR" sz="1200" dirty="0" smtClean="0">
+                <a:latin typeface="+mj-lt"/>
+                <a:cs typeface="Arial" panose="020B0604020202020204" pitchFamily="34" charset="0"/>
+              </a:rPr>
+              <a:t> Health. Indicando assim, para os amigos.</a:t>
+            </a:r>
+            <a:endParaRPr lang="pt-BR" sz="1200" dirty="0">
+              <a:latin typeface="+mj-lt"/>
+              <a:cs typeface="Arial" panose="020B0604020202020204" pitchFamily="34" charset="0"/>
+            </a:endParaRPr>
           </a:p>
         </p:txBody>
       </p:sp>

--- a/Documentação/Documentação_Teorica/StoryboardMH.pptx
+++ b/Documentação/Documentação_Teorica/StoryboardMH.pptx
@@ -3361,8 +3361,8 @@
         </p:nvSpPr>
         <p:spPr>
           <a:xfrm>
-            <a:off x="141403" y="160256"/>
-            <a:ext cx="2714920" cy="3026004"/>
+            <a:off x="141402" y="160256"/>
+            <a:ext cx="2788651" cy="3026004"/>
           </a:xfrm>
           <a:prstGeom prst="rect">
             <a:avLst/>
@@ -3408,8 +3408,8 @@
         </p:nvSpPr>
         <p:spPr>
           <a:xfrm>
-            <a:off x="3168978" y="160256"/>
-            <a:ext cx="2714920" cy="3026004"/>
+            <a:off x="3168977" y="160256"/>
+            <a:ext cx="2807909" cy="3026004"/>
           </a:xfrm>
           <a:prstGeom prst="rect">
             <a:avLst/>
@@ -3453,7 +3453,7 @@
         <p:spPr>
           <a:xfrm>
             <a:off x="6196553" y="160256"/>
-            <a:ext cx="2714920" cy="3026004"/>
+            <a:ext cx="2820472" cy="3026004"/>
           </a:xfrm>
           <a:prstGeom prst="rect">
             <a:avLst/>
@@ -3497,7 +3497,7 @@
         <p:spPr>
           <a:xfrm>
             <a:off x="9224128" y="160256"/>
-            <a:ext cx="2714920" cy="3026004"/>
+            <a:ext cx="2793368" cy="3026004"/>
           </a:xfrm>
           <a:prstGeom prst="rect">
             <a:avLst/>
@@ -3540,8 +3540,8 @@
         </p:nvSpPr>
         <p:spPr>
           <a:xfrm>
-            <a:off x="141403" y="3498915"/>
-            <a:ext cx="2714920" cy="3026004"/>
+            <a:off x="141402" y="3498915"/>
+            <a:ext cx="2785351" cy="3026004"/>
           </a:xfrm>
           <a:prstGeom prst="rect">
             <a:avLst/>
@@ -3585,7 +3585,7 @@
         <p:spPr>
           <a:xfrm>
             <a:off x="3168978" y="3498915"/>
-            <a:ext cx="2714920" cy="3026004"/>
+            <a:ext cx="2804204" cy="3026004"/>
           </a:xfrm>
           <a:prstGeom prst="rect">
             <a:avLst/>
@@ -3628,8 +3628,8 @@
         </p:nvSpPr>
         <p:spPr>
           <a:xfrm>
-            <a:off x="6196553" y="3498915"/>
-            <a:ext cx="2714920" cy="3026004"/>
+            <a:off x="6196552" y="3498915"/>
+            <a:ext cx="2828575" cy="3026004"/>
           </a:xfrm>
           <a:prstGeom prst="rect">
             <a:avLst/>
@@ -3673,7 +3673,7 @@
         <p:spPr>
           <a:xfrm>
             <a:off x="9224128" y="3498915"/>
-            <a:ext cx="2714920" cy="3026004"/>
+            <a:ext cx="2802568" cy="3026004"/>
           </a:xfrm>
           <a:prstGeom prst="rect">
             <a:avLst/>
@@ -3966,8 +3966,8 @@
         </p:nvSpPr>
         <p:spPr>
           <a:xfrm>
-            <a:off x="134470" y="2494668"/>
-            <a:ext cx="2721853" cy="646331"/>
+            <a:off x="92961" y="2493979"/>
+            <a:ext cx="2916717" cy="646331"/>
           </a:xfrm>
           <a:prstGeom prst="rect">
             <a:avLst/>
@@ -3982,15 +3982,15 @@
           <a:p>
             <a:pPr algn="ctr"/>
             <a:r>
-              <a:rPr lang="pt-BR" sz="1200" dirty="0" smtClean="0">
-                <a:latin typeface="+mj-lt"/>
+              <a:rPr lang="pt-BR" sz="1200" b="1" dirty="0" smtClean="0">
+                <a:latin typeface="Arial" panose="020B0604020202020204" pitchFamily="34" charset="0"/>
                 <a:cs typeface="Arial" panose="020B0604020202020204" pitchFamily="34" charset="0"/>
               </a:rPr>
               <a:t>Igor </a:t>
             </a:r>
             <a:r>
-              <a:rPr lang="pt-BR" sz="1200" dirty="0" smtClean="0">
-                <a:latin typeface="+mj-lt"/>
+              <a:rPr lang="pt-BR" sz="1200" b="1" dirty="0" smtClean="0">
+                <a:latin typeface="Arial" panose="020B0604020202020204" pitchFamily="34" charset="0"/>
                 <a:cs typeface="Arial" panose="020B0604020202020204" pitchFamily="34" charset="0"/>
               </a:rPr>
               <a:t>está muito frustrado com a sua</a:t>
@@ -3999,28 +3999,38 @@
           <a:p>
             <a:pPr algn="ctr"/>
             <a:r>
-              <a:rPr lang="pt-BR" sz="1200" dirty="0" smtClean="0">
-                <a:latin typeface="+mj-lt"/>
+              <a:rPr lang="pt-BR" sz="1200" b="1" dirty="0" smtClean="0">
+                <a:latin typeface="Arial" panose="020B0604020202020204" pitchFamily="34" charset="0"/>
                 <a:cs typeface="Arial" panose="020B0604020202020204" pitchFamily="34" charset="0"/>
               </a:rPr>
-              <a:t> forma de alimentação, e para ajudar lhe indicaram o </a:t>
-            </a:r>
-            <a:r>
-              <a:rPr lang="pt-BR" sz="1200" dirty="0" err="1" smtClean="0">
-                <a:latin typeface="+mj-lt"/>
+              <a:t> forma de alimentação, e para </a:t>
+            </a:r>
+            <a:r>
+              <a:rPr lang="pt-BR" sz="1200" b="1" dirty="0" smtClean="0">
+                <a:latin typeface="Arial" panose="020B0604020202020204" pitchFamily="34" charset="0"/>
                 <a:cs typeface="Arial" panose="020B0604020202020204" pitchFamily="34" charset="0"/>
               </a:rPr>
-              <a:t>My</a:t>
-            </a:r>
-            <a:r>
-              <a:rPr lang="pt-BR" sz="1200" dirty="0" smtClean="0">
-                <a:latin typeface="+mj-lt"/>
+              <a:t>ajudar</a:t>
+            </a:r>
+          </a:p>
+          <a:p>
+            <a:pPr algn="ctr"/>
+            <a:r>
+              <a:rPr lang="pt-BR" sz="1200" b="1" dirty="0" smtClean="0">
+                <a:latin typeface="Arial" panose="020B0604020202020204" pitchFamily="34" charset="0"/>
                 <a:cs typeface="Arial" panose="020B0604020202020204" pitchFamily="34" charset="0"/>
               </a:rPr>
-              <a:t> Health.</a:t>
-            </a:r>
-            <a:endParaRPr lang="pt-BR" sz="1200" dirty="0">
-              <a:latin typeface="+mj-lt"/>
+              <a:t> </a:t>
+            </a:r>
+            <a:r>
+              <a:rPr lang="pt-BR" sz="1200" b="1" dirty="0" smtClean="0">
+                <a:latin typeface="Arial" panose="020B0604020202020204" pitchFamily="34" charset="0"/>
+                <a:cs typeface="Arial" panose="020B0604020202020204" pitchFamily="34" charset="0"/>
+              </a:rPr>
+              <a:t>lhe indicaram o My Health.</a:t>
+            </a:r>
+            <a:endParaRPr lang="pt-BR" sz="1200" b="1" dirty="0">
+              <a:latin typeface="Arial" panose="020B0604020202020204" pitchFamily="34" charset="0"/>
               <a:cs typeface="Arial" panose="020B0604020202020204" pitchFamily="34" charset="0"/>
             </a:endParaRPr>
           </a:p>
@@ -4076,8 +4086,8 @@
         </p:nvSpPr>
         <p:spPr>
           <a:xfrm>
-            <a:off x="3280526" y="2519324"/>
-            <a:ext cx="2489257" cy="646331"/>
+            <a:off x="3130963" y="2492550"/>
+            <a:ext cx="2880233" cy="646331"/>
           </a:xfrm>
           <a:prstGeom prst="rect">
             <a:avLst/>
@@ -4091,14 +4101,14 @@
           <a:p>
             <a:pPr algn="ctr"/>
             <a:r>
-              <a:rPr lang="pt-BR" sz="1200" dirty="0">
-                <a:latin typeface="+mj-lt"/>
+              <a:rPr lang="pt-BR" sz="1200" b="1" dirty="0">
+                <a:latin typeface="Arial" panose="020B0604020202020204" pitchFamily="34" charset="0"/>
                 <a:cs typeface="Arial" panose="020B0604020202020204" pitchFamily="34" charset="0"/>
               </a:rPr>
               <a:t>Ele então acessa o site, após breve análise percebe que era exatamente o que procurava, então  se cadastra.</a:t>
             </a:r>
-            <a:endParaRPr lang="en-US" sz="1200" dirty="0">
-              <a:latin typeface="+mj-lt"/>
+            <a:endParaRPr lang="en-US" sz="1200" b="1" dirty="0">
+              <a:latin typeface="Arial" panose="020B0604020202020204" pitchFamily="34" charset="0"/>
               <a:cs typeface="Arial" panose="020B0604020202020204" pitchFamily="34" charset="0"/>
             </a:endParaRPr>
           </a:p>
@@ -4240,8 +4250,8 @@
         </p:nvSpPr>
         <p:spPr>
           <a:xfrm>
-            <a:off x="6189925" y="2505481"/>
-            <a:ext cx="2714920" cy="646331"/>
+            <a:off x="6032538" y="2505884"/>
+            <a:ext cx="3099965" cy="646331"/>
           </a:xfrm>
           <a:prstGeom prst="rect">
             <a:avLst/>
@@ -4255,8 +4265,8 @@
           <a:p>
             <a:pPr algn="ctr"/>
             <a:r>
-              <a:rPr lang="pt-BR" sz="1200" dirty="0">
-                <a:latin typeface="+mj-lt"/>
+              <a:rPr lang="pt-BR" sz="1200" b="1" dirty="0">
+                <a:latin typeface="Arial" panose="020B0604020202020204" pitchFamily="34" charset="0"/>
                 <a:cs typeface="Arial" panose="020B0604020202020204" pitchFamily="34" charset="0"/>
               </a:rPr>
               <a:t>Logo de inicio aparecerá o feed </a:t>
@@ -4265,8 +4275,8 @@
           <a:p>
             <a:pPr algn="ctr"/>
             <a:r>
-              <a:rPr lang="pt-BR" sz="1200" dirty="0">
-                <a:latin typeface="+mj-lt"/>
+              <a:rPr lang="pt-BR" sz="1200" b="1" dirty="0">
+                <a:latin typeface="Arial" panose="020B0604020202020204" pitchFamily="34" charset="0"/>
                 <a:cs typeface="Arial" panose="020B0604020202020204" pitchFamily="34" charset="0"/>
               </a:rPr>
               <a:t>do site, com o progresso de outros usuários.</a:t>
@@ -4371,8 +4381,8 @@
         </p:nvSpPr>
         <p:spPr>
           <a:xfrm>
-            <a:off x="9208189" y="2524048"/>
-            <a:ext cx="2809307" cy="646331"/>
+            <a:off x="9072877" y="2505884"/>
+            <a:ext cx="3095870" cy="646331"/>
           </a:xfrm>
           <a:prstGeom prst="rect">
             <a:avLst/>
@@ -4386,57 +4396,64 @@
           <a:p>
             <a:pPr algn="ctr"/>
             <a:r>
-              <a:rPr lang="pt-BR" sz="1200" dirty="0">
-                <a:latin typeface="+mj-lt"/>
+              <a:rPr lang="pt-BR" sz="1200" b="1" dirty="0">
+                <a:latin typeface="Arial" panose="020B0604020202020204" pitchFamily="34" charset="0"/>
                 <a:cs typeface="Arial" panose="020B0604020202020204" pitchFamily="34" charset="0"/>
               </a:rPr>
               <a:t>Então o próximo passo de </a:t>
             </a:r>
             <a:r>
-              <a:rPr lang="pt-BR" sz="1200" dirty="0" smtClean="0">
-                <a:latin typeface="+mj-lt"/>
+              <a:rPr lang="pt-BR" sz="1200" b="1" dirty="0" smtClean="0">
+                <a:latin typeface="Arial" panose="020B0604020202020204" pitchFamily="34" charset="0"/>
                 <a:cs typeface="Arial" panose="020B0604020202020204" pitchFamily="34" charset="0"/>
               </a:rPr>
               <a:t>Igor </a:t>
             </a:r>
             <a:r>
-              <a:rPr lang="pt-BR" sz="1200" dirty="0">
-                <a:latin typeface="+mj-lt"/>
+              <a:rPr lang="pt-BR" sz="1200" b="1" dirty="0">
+                <a:latin typeface="Arial" panose="020B0604020202020204" pitchFamily="34" charset="0"/>
                 <a:cs typeface="Arial" panose="020B0604020202020204" pitchFamily="34" charset="0"/>
               </a:rPr>
-              <a:t>é, entrar </a:t>
-            </a:r>
-            <a:endParaRPr lang="pt-BR" sz="1200" dirty="0" smtClean="0">
-              <a:latin typeface="+mj-lt"/>
+              <a:t>é, </a:t>
+            </a:r>
+            <a:endParaRPr lang="pt-BR" sz="1200" b="1" dirty="0" smtClean="0">
+              <a:latin typeface="Arial" panose="020B0604020202020204" pitchFamily="34" charset="0"/>
               <a:cs typeface="Arial" panose="020B0604020202020204" pitchFamily="34" charset="0"/>
             </a:endParaRPr>
           </a:p>
           <a:p>
             <a:pPr algn="ctr"/>
             <a:r>
-              <a:rPr lang="pt-BR" sz="1200" dirty="0" smtClean="0">
-                <a:latin typeface="+mj-lt"/>
+              <a:rPr lang="pt-BR" sz="1200" b="1" dirty="0" smtClean="0">
+                <a:latin typeface="Arial" panose="020B0604020202020204" pitchFamily="34" charset="0"/>
                 <a:cs typeface="Arial" panose="020B0604020202020204" pitchFamily="34" charset="0"/>
               </a:rPr>
-              <a:t>no seu </a:t>
-            </a:r>
-            <a:r>
-              <a:rPr lang="pt-BR" sz="1200" dirty="0">
-                <a:latin typeface="+mj-lt"/>
+              <a:t>entrar no </a:t>
+            </a:r>
+            <a:r>
+              <a:rPr lang="pt-BR" sz="1200" b="1" dirty="0" smtClean="0">
+                <a:latin typeface="Arial" panose="020B0604020202020204" pitchFamily="34" charset="0"/>
+                <a:cs typeface="Arial" panose="020B0604020202020204" pitchFamily="34" charset="0"/>
+              </a:rPr>
+              <a:t>seu </a:t>
+            </a:r>
+            <a:r>
+              <a:rPr lang="pt-BR" sz="1200" b="1" dirty="0">
+                <a:latin typeface="Arial" panose="020B0604020202020204" pitchFamily="34" charset="0"/>
                 <a:cs typeface="Arial" panose="020B0604020202020204" pitchFamily="34" charset="0"/>
               </a:rPr>
               <a:t>perfil e estabelecer os seus próprios </a:t>
             </a:r>
             <a:r>
-              <a:rPr lang="pt-BR" sz="1200" dirty="0" smtClean="0">
-                <a:latin typeface="+mj-lt"/>
+              <a:rPr lang="pt-BR" sz="1200" b="1" dirty="0" smtClean="0">
+                <a:latin typeface="Arial" panose="020B0604020202020204" pitchFamily="34" charset="0"/>
                 <a:cs typeface="Arial" panose="020B0604020202020204" pitchFamily="34" charset="0"/>
               </a:rPr>
               <a:t>objetivos </a:t>
             </a:r>
             <a:r>
-              <a:rPr lang="pt-BR" sz="1200" dirty="0">
-                <a:latin typeface="+mj-lt"/>
+              <a:rPr lang="pt-BR" sz="1200" b="1" dirty="0">
+                <a:latin typeface="Arial" panose="020B0604020202020204" pitchFamily="34" charset="0"/>
                 <a:cs typeface="Arial" panose="020B0604020202020204" pitchFamily="34" charset="0"/>
               </a:rPr>
               <a:t>pessoais.</a:t>
@@ -4541,8 +4558,8 @@
         </p:nvSpPr>
         <p:spPr>
           <a:xfrm>
-            <a:off x="169787" y="5900315"/>
-            <a:ext cx="2693164" cy="461665"/>
+            <a:off x="114131" y="5907739"/>
+            <a:ext cx="2839892" cy="461665"/>
           </a:xfrm>
           <a:prstGeom prst="rect">
             <a:avLst/>
@@ -4556,8 +4573,8 @@
           <a:p>
             <a:pPr algn="ctr"/>
             <a:r>
-              <a:rPr lang="pt-BR" sz="1200" dirty="0">
-                <a:latin typeface="+mj-lt"/>
+              <a:rPr lang="pt-BR" sz="1200" b="1" dirty="0">
+                <a:latin typeface="Arial" panose="020B0604020202020204" pitchFamily="34" charset="0"/>
                 <a:cs typeface="Arial" panose="020B0604020202020204" pitchFamily="34" charset="0"/>
               </a:rPr>
               <a:t>Com isso é direcionada para o primeiro cadastro de refeição..</a:t>
@@ -4615,8 +4632,8 @@
         </p:nvSpPr>
         <p:spPr>
           <a:xfrm>
-            <a:off x="3344884" y="5809552"/>
-            <a:ext cx="2363107" cy="646331"/>
+            <a:off x="3221951" y="5805574"/>
+            <a:ext cx="2698255" cy="646331"/>
           </a:xfrm>
           <a:prstGeom prst="rect">
             <a:avLst/>
@@ -4630,8 +4647,8 @@
           <a:p>
             <a:pPr algn="ctr"/>
             <a:r>
-              <a:rPr lang="pt-BR" sz="1200" dirty="0">
-                <a:latin typeface="+mj-lt"/>
+              <a:rPr lang="pt-BR" sz="1200" b="1" dirty="0">
+                <a:latin typeface="Arial" panose="020B0604020202020204" pitchFamily="34" charset="0"/>
                 <a:cs typeface="Arial" panose="020B0604020202020204" pitchFamily="34" charset="0"/>
               </a:rPr>
               <a:t>Logo em seguida já estará disponivel a visualização dos dados especificos desta refeição.</a:t>
@@ -5567,8 +5584,8 @@
         </p:nvSpPr>
         <p:spPr>
           <a:xfrm>
-            <a:off x="6224937" y="5907739"/>
-            <a:ext cx="2693164" cy="461665"/>
+            <a:off x="6198994" y="5812824"/>
+            <a:ext cx="2792089" cy="646331"/>
           </a:xfrm>
           <a:prstGeom prst="rect">
             <a:avLst/>
@@ -5582,28 +5599,14 @@
           <a:p>
             <a:pPr algn="ctr"/>
             <a:r>
-              <a:rPr lang="pt-BR" sz="1200" dirty="0" smtClean="0">
-                <a:latin typeface="+mj-lt"/>
+              <a:rPr lang="pt-BR" sz="1200" b="1" dirty="0" smtClean="0">
+                <a:latin typeface="Arial" panose="020B0604020202020204" pitchFamily="34" charset="0"/>
                 <a:cs typeface="Arial" panose="020B0604020202020204" pitchFamily="34" charset="0"/>
               </a:rPr>
-              <a:t>Depois dessas atividades, o Juliano já esta pronto pra aproveitar o </a:t>
-            </a:r>
-            <a:r>
-              <a:rPr lang="pt-BR" sz="1200" dirty="0" err="1" smtClean="0">
-                <a:latin typeface="+mj-lt"/>
-                <a:cs typeface="Arial" panose="020B0604020202020204" pitchFamily="34" charset="0"/>
-              </a:rPr>
-              <a:t>My</a:t>
-            </a:r>
-            <a:r>
-              <a:rPr lang="pt-BR" sz="1200" dirty="0" smtClean="0">
-                <a:latin typeface="+mj-lt"/>
-                <a:cs typeface="Arial" panose="020B0604020202020204" pitchFamily="34" charset="0"/>
-              </a:rPr>
-              <a:t> Health.</a:t>
-            </a:r>
-            <a:endParaRPr lang="pt-BR" sz="1200" dirty="0">
-              <a:latin typeface="+mj-lt"/>
+              <a:t>Depois dessas atividades, o Juliano já esta pronto pra aproveitar o My Health.</a:t>
+            </a:r>
+            <a:endParaRPr lang="pt-BR" sz="1200" b="1" dirty="0">
+              <a:latin typeface="Arial" panose="020B0604020202020204" pitchFamily="34" charset="0"/>
               <a:cs typeface="Arial" panose="020B0604020202020204" pitchFamily="34" charset="0"/>
             </a:endParaRPr>
           </a:p>
@@ -5787,8 +5790,8 @@
         </p:nvSpPr>
         <p:spPr>
           <a:xfrm>
-            <a:off x="9208189" y="5752183"/>
-            <a:ext cx="2866056" cy="830997"/>
+            <a:off x="9173772" y="5753109"/>
+            <a:ext cx="2923233" cy="830997"/>
           </a:xfrm>
           <a:prstGeom prst="rect">
             <a:avLst/>
@@ -5802,28 +5805,14 @@
           <a:p>
             <a:pPr algn="ctr"/>
             <a:r>
-              <a:rPr lang="pt-BR" sz="1200" dirty="0" smtClean="0">
-                <a:latin typeface="+mj-lt"/>
+              <a:rPr lang="pt-BR" sz="1200" b="1" dirty="0" smtClean="0">
+                <a:latin typeface="Arial" panose="020B0604020202020204" pitchFamily="34" charset="0"/>
                 <a:cs typeface="Arial" panose="020B0604020202020204" pitchFamily="34" charset="0"/>
               </a:rPr>
-              <a:t>Dessa maneira Juliano observa a sua evolução, e fica cada vez mais satisfeito com </a:t>
-            </a:r>
-            <a:r>
-              <a:rPr lang="pt-BR" sz="1200" dirty="0" err="1" smtClean="0">
-                <a:latin typeface="+mj-lt"/>
-                <a:cs typeface="Arial" panose="020B0604020202020204" pitchFamily="34" charset="0"/>
-              </a:rPr>
-              <a:t>My</a:t>
-            </a:r>
-            <a:r>
-              <a:rPr lang="pt-BR" sz="1200" dirty="0" smtClean="0">
-                <a:latin typeface="+mj-lt"/>
-                <a:cs typeface="Arial" panose="020B0604020202020204" pitchFamily="34" charset="0"/>
-              </a:rPr>
-              <a:t> Health. Indicando assim, para os amigos.</a:t>
-            </a:r>
-            <a:endParaRPr lang="pt-BR" sz="1200" dirty="0">
-              <a:latin typeface="+mj-lt"/>
+              <a:t>Dessa maneira Juliano observa a sua evolução, e fica cada vez mais satisfeito com My Health. Indicando assim, para os amigos.</a:t>
+            </a:r>
+            <a:endParaRPr lang="pt-BR" sz="1200" b="1" dirty="0">
+              <a:latin typeface="Arial" panose="020B0604020202020204" pitchFamily="34" charset="0"/>
               <a:cs typeface="Arial" panose="020B0604020202020204" pitchFamily="34" charset="0"/>
             </a:endParaRPr>
           </a:p>

--- a/Documentação/Documentação_Teorica/StoryboardMH.pptx
+++ b/Documentação/Documentação_Teorica/StoryboardMH.pptx
@@ -3368,6 +3368,11 @@
             <a:avLst/>
           </a:prstGeom>
           <a:noFill/>
+          <a:ln>
+            <a:solidFill>
+              <a:schemeClr val="accent6"/>
+            </a:solidFill>
+          </a:ln>
         </p:spPr>
         <p:style>
           <a:lnRef idx="2">
@@ -3414,6 +3419,11 @@
           <a:prstGeom prst="rect">
             <a:avLst/>
           </a:prstGeom>
+          <a:ln>
+            <a:solidFill>
+              <a:schemeClr val="accent6"/>
+            </a:solidFill>
+          </a:ln>
         </p:spPr>
         <p:style>
           <a:lnRef idx="2">
@@ -3458,6 +3468,11 @@
           <a:prstGeom prst="rect">
             <a:avLst/>
           </a:prstGeom>
+          <a:ln>
+            <a:solidFill>
+              <a:schemeClr val="accent6"/>
+            </a:solidFill>
+          </a:ln>
         </p:spPr>
         <p:style>
           <a:lnRef idx="2">
@@ -3502,6 +3517,11 @@
           <a:prstGeom prst="rect">
             <a:avLst/>
           </a:prstGeom>
+          <a:ln>
+            <a:solidFill>
+              <a:schemeClr val="accent6"/>
+            </a:solidFill>
+          </a:ln>
         </p:spPr>
         <p:style>
           <a:lnRef idx="2">
@@ -3546,6 +3566,11 @@
           <a:prstGeom prst="rect">
             <a:avLst/>
           </a:prstGeom>
+          <a:ln>
+            <a:solidFill>
+              <a:schemeClr val="accent6"/>
+            </a:solidFill>
+          </a:ln>
         </p:spPr>
         <p:style>
           <a:lnRef idx="2">
@@ -3590,6 +3615,11 @@
           <a:prstGeom prst="rect">
             <a:avLst/>
           </a:prstGeom>
+          <a:ln>
+            <a:solidFill>
+              <a:schemeClr val="accent6"/>
+            </a:solidFill>
+          </a:ln>
         </p:spPr>
         <p:style>
           <a:lnRef idx="2">
@@ -3634,6 +3664,11 @@
           <a:prstGeom prst="rect">
             <a:avLst/>
           </a:prstGeom>
+          <a:ln>
+            <a:solidFill>
+              <a:schemeClr val="accent6"/>
+            </a:solidFill>
+          </a:ln>
         </p:spPr>
         <p:style>
           <a:lnRef idx="2">
@@ -3678,6 +3713,11 @@
           <a:prstGeom prst="rect">
             <a:avLst/>
           </a:prstGeom>
+          <a:ln>
+            <a:solidFill>
+              <a:schemeClr val="accent6"/>
+            </a:solidFill>
+          </a:ln>
         </p:spPr>
         <p:style>
           <a:lnRef idx="2">
@@ -3898,7 +3938,7 @@
                 <a14:useLocalDpi xmlns:a14="http://schemas.microsoft.com/office/drawing/2010/main" val="0"/>
               </a:ext>
               <a:ext uri="{96DAC541-7B7A-43D3-8B79-37D633B846F1}">
-                <asvg:svgBlip xmlns="" xmlns:asvg="http://schemas.microsoft.com/office/drawing/2016/SVG/main" r:embed="rId6"/>
+                <asvg:svgBlip xmlns:asvg="http://schemas.microsoft.com/office/drawing/2016/SVG/main" r:embed="rId6"/>
               </a:ext>
             </a:extLst>
           </a:blip>
@@ -3982,57 +4022,32 @@
           <a:p>
             <a:pPr algn="ctr"/>
             <a:r>
-              <a:rPr lang="pt-BR" sz="1200" b="1" dirty="0" smtClean="0">
+              <a:rPr lang="pt-BR" sz="1200" b="1" dirty="0">
                 <a:latin typeface="Arial" panose="020B0604020202020204" pitchFamily="34" charset="0"/>
                 <a:cs typeface="Arial" panose="020B0604020202020204" pitchFamily="34" charset="0"/>
               </a:rPr>
-              <a:t>Igor </a:t>
-            </a:r>
-            <a:r>
-              <a:rPr lang="pt-BR" sz="1200" b="1" dirty="0" smtClean="0">
+              <a:t>Igor está muito frustrado com a sua</a:t>
+            </a:r>
+          </a:p>
+          <a:p>
+            <a:pPr algn="ctr"/>
+            <a:r>
+              <a:rPr lang="pt-BR" sz="1200" b="1" dirty="0">
                 <a:latin typeface="Arial" panose="020B0604020202020204" pitchFamily="34" charset="0"/>
                 <a:cs typeface="Arial" panose="020B0604020202020204" pitchFamily="34" charset="0"/>
               </a:rPr>
-              <a:t>está muito frustrado com a sua</a:t>
+              <a:t> forma de alimentação, e para ajudar</a:t>
             </a:r>
           </a:p>
           <a:p>
             <a:pPr algn="ctr"/>
             <a:r>
-              <a:rPr lang="pt-BR" sz="1200" b="1" dirty="0" smtClean="0">
+              <a:rPr lang="pt-BR" sz="1200" b="1" dirty="0">
                 <a:latin typeface="Arial" panose="020B0604020202020204" pitchFamily="34" charset="0"/>
                 <a:cs typeface="Arial" panose="020B0604020202020204" pitchFamily="34" charset="0"/>
               </a:rPr>
-              <a:t> forma de alimentação, e para </a:t>
-            </a:r>
-            <a:r>
-              <a:rPr lang="pt-BR" sz="1200" b="1" dirty="0" smtClean="0">
-                <a:latin typeface="Arial" panose="020B0604020202020204" pitchFamily="34" charset="0"/>
-                <a:cs typeface="Arial" panose="020B0604020202020204" pitchFamily="34" charset="0"/>
-              </a:rPr>
-              <a:t>ajudar</a:t>
-            </a:r>
-          </a:p>
-          <a:p>
-            <a:pPr algn="ctr"/>
-            <a:r>
-              <a:rPr lang="pt-BR" sz="1200" b="1" dirty="0" smtClean="0">
-                <a:latin typeface="Arial" panose="020B0604020202020204" pitchFamily="34" charset="0"/>
-                <a:cs typeface="Arial" panose="020B0604020202020204" pitchFamily="34" charset="0"/>
-              </a:rPr>
-              <a:t> </a:t>
-            </a:r>
-            <a:r>
-              <a:rPr lang="pt-BR" sz="1200" b="1" dirty="0" smtClean="0">
-                <a:latin typeface="Arial" panose="020B0604020202020204" pitchFamily="34" charset="0"/>
-                <a:cs typeface="Arial" panose="020B0604020202020204" pitchFamily="34" charset="0"/>
-              </a:rPr>
-              <a:t>lhe indicaram o My Health.</a:t>
-            </a:r>
-            <a:endParaRPr lang="pt-BR" sz="1200" b="1" dirty="0">
-              <a:latin typeface="Arial" panose="020B0604020202020204" pitchFamily="34" charset="0"/>
-              <a:cs typeface="Arial" panose="020B0604020202020204" pitchFamily="34" charset="0"/>
-            </a:endParaRPr>
+              <a:t> lhe indicaram o My Health.</a:t>
+            </a:r>
           </a:p>
         </p:txBody>
       </p:sp>
@@ -4135,7 +4150,7 @@
                 <a14:useLocalDpi xmlns:a14="http://schemas.microsoft.com/office/drawing/2010/main" val="0"/>
               </a:ext>
               <a:ext uri="{96DAC541-7B7A-43D3-8B79-37D633B846F1}">
-                <asvg:svgBlip xmlns="" xmlns:asvg="http://schemas.microsoft.com/office/drawing/2016/SVG/main" r:embed="rId6"/>
+                <asvg:svgBlip xmlns:asvg="http://schemas.microsoft.com/office/drawing/2016/SVG/main" r:embed="rId6"/>
               </a:ext>
             </a:extLst>
           </a:blip>
@@ -4400,63 +4415,17 @@
                 <a:latin typeface="Arial" panose="020B0604020202020204" pitchFamily="34" charset="0"/>
                 <a:cs typeface="Arial" panose="020B0604020202020204" pitchFamily="34" charset="0"/>
               </a:rPr>
-              <a:t>Então o próximo passo de </a:t>
-            </a:r>
-            <a:r>
-              <a:rPr lang="pt-BR" sz="1200" b="1" dirty="0" smtClean="0">
-                <a:latin typeface="Arial" panose="020B0604020202020204" pitchFamily="34" charset="0"/>
-                <a:cs typeface="Arial" panose="020B0604020202020204" pitchFamily="34" charset="0"/>
-              </a:rPr>
-              <a:t>Igor </a:t>
-            </a:r>
+              <a:t>Então o próximo passo de Igor é, </a:t>
+            </a:r>
+          </a:p>
+          <a:p>
+            <a:pPr algn="ctr"/>
             <a:r>
               <a:rPr lang="pt-BR" sz="1200" b="1" dirty="0">
                 <a:latin typeface="Arial" panose="020B0604020202020204" pitchFamily="34" charset="0"/>
                 <a:cs typeface="Arial" panose="020B0604020202020204" pitchFamily="34" charset="0"/>
               </a:rPr>
-              <a:t>é, </a:t>
-            </a:r>
-            <a:endParaRPr lang="pt-BR" sz="1200" b="1" dirty="0" smtClean="0">
-              <a:latin typeface="Arial" panose="020B0604020202020204" pitchFamily="34" charset="0"/>
-              <a:cs typeface="Arial" panose="020B0604020202020204" pitchFamily="34" charset="0"/>
-            </a:endParaRPr>
-          </a:p>
-          <a:p>
-            <a:pPr algn="ctr"/>
-            <a:r>
-              <a:rPr lang="pt-BR" sz="1200" b="1" dirty="0" smtClean="0">
-                <a:latin typeface="Arial" panose="020B0604020202020204" pitchFamily="34" charset="0"/>
-                <a:cs typeface="Arial" panose="020B0604020202020204" pitchFamily="34" charset="0"/>
-              </a:rPr>
-              <a:t>entrar no </a:t>
-            </a:r>
-            <a:r>
-              <a:rPr lang="pt-BR" sz="1200" b="1" dirty="0" smtClean="0">
-                <a:latin typeface="Arial" panose="020B0604020202020204" pitchFamily="34" charset="0"/>
-                <a:cs typeface="Arial" panose="020B0604020202020204" pitchFamily="34" charset="0"/>
-              </a:rPr>
-              <a:t>seu </a:t>
-            </a:r>
-            <a:r>
-              <a:rPr lang="pt-BR" sz="1200" b="1" dirty="0">
-                <a:latin typeface="Arial" panose="020B0604020202020204" pitchFamily="34" charset="0"/>
-                <a:cs typeface="Arial" panose="020B0604020202020204" pitchFamily="34" charset="0"/>
-              </a:rPr>
-              <a:t>perfil e estabelecer os seus próprios </a:t>
-            </a:r>
-            <a:r>
-              <a:rPr lang="pt-BR" sz="1200" b="1" dirty="0" smtClean="0">
-                <a:latin typeface="Arial" panose="020B0604020202020204" pitchFamily="34" charset="0"/>
-                <a:cs typeface="Arial" panose="020B0604020202020204" pitchFamily="34" charset="0"/>
-              </a:rPr>
-              <a:t>objetivos </a:t>
-            </a:r>
-            <a:r>
-              <a:rPr lang="pt-BR" sz="1200" b="1" dirty="0">
-                <a:latin typeface="Arial" panose="020B0604020202020204" pitchFamily="34" charset="0"/>
-                <a:cs typeface="Arial" panose="020B0604020202020204" pitchFamily="34" charset="0"/>
-              </a:rPr>
-              <a:t>pessoais.</a:t>
+              <a:t>entrar no seu perfil e estabelecer os seus próprios objetivos pessoais.</a:t>
             </a:r>
           </a:p>
         </p:txBody>
@@ -5599,16 +5568,12 @@
           <a:p>
             <a:pPr algn="ctr"/>
             <a:r>
-              <a:rPr lang="pt-BR" sz="1200" b="1" dirty="0" smtClean="0">
+              <a:rPr lang="pt-BR" sz="1200" b="1" dirty="0">
                 <a:latin typeface="Arial" panose="020B0604020202020204" pitchFamily="34" charset="0"/>
                 <a:cs typeface="Arial" panose="020B0604020202020204" pitchFamily="34" charset="0"/>
               </a:rPr>
               <a:t>Depois dessas atividades, o Juliano já esta pronto pra aproveitar o My Health.</a:t>
             </a:r>
-            <a:endParaRPr lang="pt-BR" sz="1200" b="1" dirty="0">
-              <a:latin typeface="Arial" panose="020B0604020202020204" pitchFamily="34" charset="0"/>
-              <a:cs typeface="Arial" panose="020B0604020202020204" pitchFamily="34" charset="0"/>
-            </a:endParaRPr>
           </a:p>
         </p:txBody>
       </p:sp>
@@ -5805,16 +5770,12 @@
           <a:p>
             <a:pPr algn="ctr"/>
             <a:r>
-              <a:rPr lang="pt-BR" sz="1200" b="1" dirty="0" smtClean="0">
+              <a:rPr lang="pt-BR" sz="1200" b="1" dirty="0">
                 <a:latin typeface="Arial" panose="020B0604020202020204" pitchFamily="34" charset="0"/>
                 <a:cs typeface="Arial" panose="020B0604020202020204" pitchFamily="34" charset="0"/>
               </a:rPr>
               <a:t>Dessa maneira Juliano observa a sua evolução, e fica cada vez mais satisfeito com My Health. Indicando assim, para os amigos.</a:t>
             </a:r>
-            <a:endParaRPr lang="pt-BR" sz="1200" b="1" dirty="0">
-              <a:latin typeface="Arial" panose="020B0604020202020204" pitchFamily="34" charset="0"/>
-              <a:cs typeface="Arial" panose="020B0604020202020204" pitchFamily="34" charset="0"/>
-            </a:endParaRPr>
           </a:p>
         </p:txBody>
       </p:sp>
